--- a/HTML/02 - CSS3/HTML CSS3.pptx
+++ b/HTML/02 - CSS3/HTML CSS3.pptx
@@ -7,13 +7,16 @@
   <p:sldIdLst>
     <p:sldId id="256" r:id="rId2"/>
     <p:sldId id="257" r:id="rId3"/>
-    <p:sldId id="261" r:id="rId4"/>
-    <p:sldId id="258" r:id="rId5"/>
-    <p:sldId id="263" r:id="rId6"/>
-    <p:sldId id="259" r:id="rId7"/>
-    <p:sldId id="262" r:id="rId8"/>
-    <p:sldId id="264" r:id="rId9"/>
-    <p:sldId id="260" r:id="rId10"/>
+    <p:sldId id="265" r:id="rId4"/>
+    <p:sldId id="266" r:id="rId5"/>
+    <p:sldId id="267" r:id="rId6"/>
+    <p:sldId id="260" r:id="rId7"/>
+    <p:sldId id="268" r:id="rId8"/>
+    <p:sldId id="258" r:id="rId9"/>
+    <p:sldId id="263" r:id="rId10"/>
+    <p:sldId id="259" r:id="rId11"/>
+    <p:sldId id="262" r:id="rId12"/>
+    <p:sldId id="264" r:id="rId13"/>
   </p:sldIdLst>
   <p:sldSz cx="12192000" cy="6858000"/>
   <p:notesSz cx="6858000" cy="9144000"/>
@@ -120,10 +123,6 @@
 </p:presentation>
 </file>
 
-<file path=ppt/revisionInfo.xml><?xml version="1.0" encoding="utf-8"?>
-<p1510:revInfo xmlns:a="http://schemas.openxmlformats.org/drawingml/2006/main" xmlns:r="http://schemas.openxmlformats.org/officeDocument/2006/relationships" xmlns:p1510="http://schemas.microsoft.com/office/powerpoint/2015/10/main"/>
-</file>
-
 <file path=ppt/slideLayouts/slideLayout1.xml><?xml version="1.0" encoding="utf-8"?>
 <p:sldLayout xmlns:a="http://schemas.openxmlformats.org/drawingml/2006/main" xmlns:r="http://schemas.openxmlformats.org/officeDocument/2006/relationships" xmlns:p="http://schemas.openxmlformats.org/presentationml/2006/main" type="title" preserve="1">
   <p:cSld name="שקופית כותרת">
@@ -310,7 +309,7 @@
           <a:p>
             <a:fld id="{8C0E481A-6A09-48DA-A8F0-C923B352291E}" type="datetimeFigureOut">
               <a:rPr lang="he-IL" smtClean="0"/>
-              <a:t>ט"ו/טבת/תשע"ח</a:t>
+              <a:t>ה'/תמוז/תשע"ט</a:t>
             </a:fld>
             <a:endParaRPr lang="he-IL"/>
           </a:p>
@@ -585,7 +584,7 @@
           <a:p>
             <a:fld id="{8C0E481A-6A09-48DA-A8F0-C923B352291E}" type="datetimeFigureOut">
               <a:rPr lang="he-IL" smtClean="0"/>
-              <a:t>ט"ו/טבת/תשע"ח</a:t>
+              <a:t>ה'/תמוז/תשע"ט</a:t>
             </a:fld>
             <a:endParaRPr lang="he-IL"/>
           </a:p>
@@ -779,7 +778,7 @@
           <a:p>
             <a:fld id="{8C0E481A-6A09-48DA-A8F0-C923B352291E}" type="datetimeFigureOut">
               <a:rPr lang="he-IL" smtClean="0"/>
-              <a:t>ט"ו/טבת/תשע"ח</a:t>
+              <a:t>ה'/תמוז/תשע"ט</a:t>
             </a:fld>
             <a:endParaRPr lang="he-IL"/>
           </a:p>
@@ -1050,7 +1049,7 @@
           <a:p>
             <a:fld id="{8C0E481A-6A09-48DA-A8F0-C923B352291E}" type="datetimeFigureOut">
               <a:rPr lang="he-IL" smtClean="0"/>
-              <a:t>ט"ו/טבת/תשע"ח</a:t>
+              <a:t>ה'/תמוז/תשע"ט</a:t>
             </a:fld>
             <a:endParaRPr lang="he-IL"/>
           </a:p>
@@ -1377,7 +1376,7 @@
           <a:p>
             <a:fld id="{8C0E481A-6A09-48DA-A8F0-C923B352291E}" type="datetimeFigureOut">
               <a:rPr lang="he-IL" smtClean="0"/>
-              <a:t>ט"ו/טבת/תשע"ח</a:t>
+              <a:t>ה'/תמוז/תשע"ט</a:t>
             </a:fld>
             <a:endParaRPr lang="he-IL"/>
           </a:p>
@@ -1996,7 +1995,7 @@
           <a:p>
             <a:fld id="{8C0E481A-6A09-48DA-A8F0-C923B352291E}" type="datetimeFigureOut">
               <a:rPr lang="he-IL" smtClean="0"/>
-              <a:t>ט"ו/טבת/תשע"ח</a:t>
+              <a:t>ה'/תמוז/תשע"ט</a:t>
             </a:fld>
             <a:endParaRPr lang="he-IL"/>
           </a:p>
@@ -2843,7 +2842,7 @@
           <a:p>
             <a:fld id="{8C0E481A-6A09-48DA-A8F0-C923B352291E}" type="datetimeFigureOut">
               <a:rPr lang="he-IL" smtClean="0"/>
-              <a:t>ט"ו/טבת/תשע"ח</a:t>
+              <a:t>ה'/תמוז/תשע"ט</a:t>
             </a:fld>
             <a:endParaRPr lang="he-IL"/>
           </a:p>
@@ -3013,7 +3012,7 @@
           <a:p>
             <a:fld id="{8C0E481A-6A09-48DA-A8F0-C923B352291E}" type="datetimeFigureOut">
               <a:rPr lang="he-IL" smtClean="0"/>
-              <a:t>ט"ו/טבת/תשע"ח</a:t>
+              <a:t>ה'/תמוז/תשע"ט</a:t>
             </a:fld>
             <a:endParaRPr lang="he-IL"/>
           </a:p>
@@ -3193,7 +3192,7 @@
           <a:p>
             <a:fld id="{8C0E481A-6A09-48DA-A8F0-C923B352291E}" type="datetimeFigureOut">
               <a:rPr lang="he-IL" smtClean="0"/>
-              <a:t>ט"ו/טבת/תשע"ח</a:t>
+              <a:t>ה'/תמוז/תשע"ט</a:t>
             </a:fld>
             <a:endParaRPr lang="he-IL"/>
           </a:p>
@@ -3363,7 +3362,7 @@
           <a:p>
             <a:fld id="{8C0E481A-6A09-48DA-A8F0-C923B352291E}" type="datetimeFigureOut">
               <a:rPr lang="he-IL" smtClean="0"/>
-              <a:t>ט"ו/טבת/תשע"ח</a:t>
+              <a:t>ה'/תמוז/תשע"ט</a:t>
             </a:fld>
             <a:endParaRPr lang="he-IL"/>
           </a:p>
@@ -3610,7 +3609,7 @@
           <a:p>
             <a:fld id="{8C0E481A-6A09-48DA-A8F0-C923B352291E}" type="datetimeFigureOut">
               <a:rPr lang="he-IL" smtClean="0"/>
-              <a:t>ט"ו/טבת/תשע"ח</a:t>
+              <a:t>ה'/תמוז/תשע"ט</a:t>
             </a:fld>
             <a:endParaRPr lang="he-IL"/>
           </a:p>
@@ -3902,7 +3901,7 @@
           <a:p>
             <a:fld id="{8C0E481A-6A09-48DA-A8F0-C923B352291E}" type="datetimeFigureOut">
               <a:rPr lang="he-IL" smtClean="0"/>
-              <a:t>ט"ו/טבת/תשע"ח</a:t>
+              <a:t>ה'/תמוז/תשע"ט</a:t>
             </a:fld>
             <a:endParaRPr lang="he-IL"/>
           </a:p>
@@ -4346,7 +4345,7 @@
           <a:p>
             <a:fld id="{8C0E481A-6A09-48DA-A8F0-C923B352291E}" type="datetimeFigureOut">
               <a:rPr lang="he-IL" smtClean="0"/>
-              <a:t>ט"ו/טבת/תשע"ח</a:t>
+              <a:t>ה'/תמוז/תשע"ט</a:t>
             </a:fld>
             <a:endParaRPr lang="he-IL"/>
           </a:p>
@@ -4464,7 +4463,7 @@
           <a:p>
             <a:fld id="{8C0E481A-6A09-48DA-A8F0-C923B352291E}" type="datetimeFigureOut">
               <a:rPr lang="he-IL" smtClean="0"/>
-              <a:t>ט"ו/טבת/תשע"ח</a:t>
+              <a:t>ה'/תמוז/תשע"ט</a:t>
             </a:fld>
             <a:endParaRPr lang="he-IL"/>
           </a:p>
@@ -4559,7 +4558,7 @@
           <a:p>
             <a:fld id="{8C0E481A-6A09-48DA-A8F0-C923B352291E}" type="datetimeFigureOut">
               <a:rPr lang="he-IL" smtClean="0"/>
-              <a:t>ט"ו/טבת/תשע"ח</a:t>
+              <a:t>ה'/תמוז/תשע"ט</a:t>
             </a:fld>
             <a:endParaRPr lang="he-IL"/>
           </a:p>
@@ -4838,7 +4837,7 @@
           <a:p>
             <a:fld id="{8C0E481A-6A09-48DA-A8F0-C923B352291E}" type="datetimeFigureOut">
               <a:rPr lang="he-IL" smtClean="0"/>
-              <a:t>ט"ו/טבת/תשע"ח</a:t>
+              <a:t>ה'/תמוז/תשע"ט</a:t>
             </a:fld>
             <a:endParaRPr lang="he-IL"/>
           </a:p>
@@ -5113,7 +5112,7 @@
           <a:p>
             <a:fld id="{8C0E481A-6A09-48DA-A8F0-C923B352291E}" type="datetimeFigureOut">
               <a:rPr lang="he-IL" smtClean="0"/>
-              <a:t>ט"ו/טבת/תשע"ח</a:t>
+              <a:t>ה'/תמוז/תשע"ט</a:t>
             </a:fld>
             <a:endParaRPr lang="he-IL"/>
           </a:p>
@@ -5536,7 +5535,7 @@
           <a:p>
             <a:fld id="{8C0E481A-6A09-48DA-A8F0-C923B352291E}" type="datetimeFigureOut">
               <a:rPr lang="he-IL" smtClean="0"/>
-              <a:t>ט"ו/טבת/תשע"ח</a:t>
+              <a:t>ה'/תמוז/תשע"ט</a:t>
             </a:fld>
             <a:endParaRPr lang="he-IL"/>
           </a:p>
@@ -6201,537 +6200,7 @@
 </p:sld>
 </file>
 
-<file path=ppt/slides/slide2.xml><?xml version="1.0" encoding="utf-8"?>
-<p:sld xmlns:a="http://schemas.openxmlformats.org/drawingml/2006/main" xmlns:r="http://schemas.openxmlformats.org/officeDocument/2006/relationships" xmlns:p="http://schemas.openxmlformats.org/presentationml/2006/main">
-  <p:cSld>
-    <p:spTree>
-      <p:nvGrpSpPr>
-        <p:cNvPr id="1" name=""/>
-        <p:cNvGrpSpPr/>
-        <p:nvPr/>
-      </p:nvGrpSpPr>
-      <p:grpSpPr>
-        <a:xfrm>
-          <a:off x="0" y="0"/>
-          <a:ext cx="0" cy="0"/>
-          <a:chOff x="0" y="0"/>
-          <a:chExt cx="0" cy="0"/>
-        </a:xfrm>
-      </p:grpSpPr>
-      <p:sp>
-        <p:nvSpPr>
-          <p:cNvPr id="2" name="כותרת 1">
-            <a:extLst>
-              <a:ext uri="{FF2B5EF4-FFF2-40B4-BE49-F238E27FC236}">
-                <a16:creationId xmlns:a16="http://schemas.microsoft.com/office/drawing/2014/main" id="{CD16D5D8-CFD4-49A9-AFAE-ED9AC3B1BBE1}"/>
-              </a:ext>
-            </a:extLst>
-          </p:cNvPr>
-          <p:cNvSpPr>
-            <a:spLocks noGrp="1"/>
-          </p:cNvSpPr>
-          <p:nvPr>
-            <p:ph type="title"/>
-          </p:nvPr>
-        </p:nvSpPr>
-        <p:spPr>
-          <a:xfrm>
-            <a:off x="645130" y="385566"/>
-            <a:ext cx="9404723" cy="1400530"/>
-          </a:xfrm>
-        </p:spPr>
-        <p:txBody>
-          <a:bodyPr/>
-          <a:lstStyle/>
-          <a:p>
-            <a:r>
-              <a:rPr lang="en-US" dirty="0"/>
-              <a:t>HTML CSS3</a:t>
-            </a:r>
-            <a:endParaRPr lang="he-IL" dirty="0"/>
-          </a:p>
-        </p:txBody>
-      </p:sp>
-      <p:sp>
-        <p:nvSpPr>
-          <p:cNvPr id="3" name="מציין מיקום תוכן 2">
-            <a:extLst>
-              <a:ext uri="{FF2B5EF4-FFF2-40B4-BE49-F238E27FC236}">
-                <a16:creationId xmlns:a16="http://schemas.microsoft.com/office/drawing/2014/main" id="{BDC83E40-A943-4924-803E-644399EA4161}"/>
-              </a:ext>
-            </a:extLst>
-          </p:cNvPr>
-          <p:cNvSpPr>
-            <a:spLocks noGrp="1"/>
-          </p:cNvSpPr>
-          <p:nvPr>
-            <p:ph idx="1"/>
-          </p:nvPr>
-        </p:nvSpPr>
-        <p:spPr>
-          <a:xfrm>
-            <a:off x="1103313" y="2052918"/>
-            <a:ext cx="4326816" cy="4195481"/>
-          </a:xfrm>
-        </p:spPr>
-        <p:txBody>
-          <a:bodyPr/>
-          <a:lstStyle/>
-          <a:p>
-            <a:pPr algn="l" rtl="0"/>
-            <a:r>
-              <a:rPr lang="en-US" dirty="0"/>
-              <a:t>CSS = Cascading Style Sheets</a:t>
-            </a:r>
-          </a:p>
-          <a:p>
-            <a:pPr algn="l" rtl="0"/>
-            <a:r>
-              <a:rPr lang="en-US" dirty="0"/>
-              <a:t>CSS3 = Level of development (3) </a:t>
-            </a:r>
-          </a:p>
-          <a:p>
-            <a:pPr algn="l" rtl="0"/>
-            <a:r>
-              <a:rPr lang="en-US" dirty="0"/>
-              <a:t>CSS4 (flexbox)</a:t>
-            </a:r>
-          </a:p>
-          <a:p>
-            <a:pPr algn="l" rtl="0"/>
-            <a:endParaRPr lang="en-US" dirty="0"/>
-          </a:p>
-        </p:txBody>
-      </p:sp>
-      <p:sp>
-        <p:nvSpPr>
-          <p:cNvPr id="5" name="מלבן 4">
-            <a:extLst>
-              <a:ext uri="{FF2B5EF4-FFF2-40B4-BE49-F238E27FC236}">
-                <a16:creationId xmlns:a16="http://schemas.microsoft.com/office/drawing/2014/main" id="{5669864C-87A9-42D1-A999-541CB6100D65}"/>
-              </a:ext>
-            </a:extLst>
-          </p:cNvPr>
-          <p:cNvSpPr/>
-          <p:nvPr/>
-        </p:nvSpPr>
-        <p:spPr>
-          <a:xfrm>
-            <a:off x="815927" y="6200996"/>
-            <a:ext cx="10058400" cy="646331"/>
-          </a:xfrm>
-          <a:prstGeom prst="rect">
-            <a:avLst/>
-          </a:prstGeom>
-        </p:spPr>
-        <p:txBody>
-          <a:bodyPr wrap="square">
-            <a:spAutoFit/>
-          </a:bodyPr>
-          <a:lstStyle/>
-          <a:p>
-            <a:r>
-              <a:rPr lang="he-IL" dirty="0"/>
-              <a:t>https://developers.google.com/web/fundamentals/performance/critical-rendering-path/render-tree-construction</a:t>
-            </a:r>
-          </a:p>
-        </p:txBody>
-      </p:sp>
-      <p:pic>
-        <p:nvPicPr>
-          <p:cNvPr id="6" name="תמונה 5" descr="תמונה שמכילה טקסט, מפה&#10;&#10;תיאור שנוצר ברמת מהימנות גבוהה מאוד">
-            <a:extLst>
-              <a:ext uri="{FF2B5EF4-FFF2-40B4-BE49-F238E27FC236}">
-                <a16:creationId xmlns:a16="http://schemas.microsoft.com/office/drawing/2014/main" id="{93434E16-5DB7-4DF7-ADE8-D3ABDF88EE8F}"/>
-              </a:ext>
-            </a:extLst>
-          </p:cNvPr>
-          <p:cNvPicPr>
-            <a:picLocks noChangeAspect="1"/>
-          </p:cNvPicPr>
-          <p:nvPr/>
-        </p:nvPicPr>
-        <p:blipFill>
-          <a:blip r:embed="rId2">
-            <a:extLst>
-              <a:ext uri="{28A0092B-C50C-407E-A947-70E740481C1C}">
-                <a14:useLocalDpi xmlns:a14="http://schemas.microsoft.com/office/drawing/2010/main" val="0"/>
-              </a:ext>
-            </a:extLst>
-          </a:blip>
-          <a:stretch>
-            <a:fillRect/>
-          </a:stretch>
-        </p:blipFill>
-        <p:spPr>
-          <a:xfrm>
-            <a:off x="4923692" y="2052918"/>
-            <a:ext cx="7160811" cy="3584582"/>
-          </a:xfrm>
-          <a:prstGeom prst="rect">
-            <a:avLst/>
-          </a:prstGeom>
-        </p:spPr>
-      </p:pic>
-    </p:spTree>
-    <p:extLst>
-      <p:ext uri="{BB962C8B-B14F-4D97-AF65-F5344CB8AC3E}">
-        <p14:creationId xmlns:p14="http://schemas.microsoft.com/office/powerpoint/2010/main" val="374457250"/>
-      </p:ext>
-    </p:extLst>
-  </p:cSld>
-  <p:clrMapOvr>
-    <a:masterClrMapping/>
-  </p:clrMapOvr>
-</p:sld>
-</file>
-
-<file path=ppt/slides/slide3.xml><?xml version="1.0" encoding="utf-8"?>
-<p:sld xmlns:a="http://schemas.openxmlformats.org/drawingml/2006/main" xmlns:r="http://schemas.openxmlformats.org/officeDocument/2006/relationships" xmlns:p="http://schemas.openxmlformats.org/presentationml/2006/main">
-  <p:cSld>
-    <p:spTree>
-      <p:nvGrpSpPr>
-        <p:cNvPr id="1" name=""/>
-        <p:cNvGrpSpPr/>
-        <p:nvPr/>
-      </p:nvGrpSpPr>
-      <p:grpSpPr>
-        <a:xfrm>
-          <a:off x="0" y="0"/>
-          <a:ext cx="0" cy="0"/>
-          <a:chOff x="0" y="0"/>
-          <a:chExt cx="0" cy="0"/>
-        </a:xfrm>
-      </p:grpSpPr>
-      <p:sp>
-        <p:nvSpPr>
-          <p:cNvPr id="2" name="כותרת 1">
-            <a:extLst>
-              <a:ext uri="{FF2B5EF4-FFF2-40B4-BE49-F238E27FC236}">
-                <a16:creationId xmlns:a16="http://schemas.microsoft.com/office/drawing/2014/main" id="{187E70A1-B740-4A07-A2E9-774E2F629CA6}"/>
-              </a:ext>
-            </a:extLst>
-          </p:cNvPr>
-          <p:cNvSpPr>
-            <a:spLocks noGrp="1"/>
-          </p:cNvSpPr>
-          <p:nvPr>
-            <p:ph type="title"/>
-          </p:nvPr>
-        </p:nvSpPr>
-        <p:spPr/>
-        <p:txBody>
-          <a:bodyPr/>
-          <a:lstStyle/>
-          <a:p>
-            <a:r>
-              <a:rPr lang="en-US" dirty="0"/>
-              <a:t>Cascading style sheet</a:t>
-            </a:r>
-            <a:endParaRPr lang="he-IL" dirty="0"/>
-          </a:p>
-        </p:txBody>
-      </p:sp>
-      <p:sp>
-        <p:nvSpPr>
-          <p:cNvPr id="3" name="מציין מיקום תוכן 2">
-            <a:extLst>
-              <a:ext uri="{FF2B5EF4-FFF2-40B4-BE49-F238E27FC236}">
-                <a16:creationId xmlns:a16="http://schemas.microsoft.com/office/drawing/2014/main" id="{CF1EEF2F-C895-4336-9094-FE2198B75AB3}"/>
-              </a:ext>
-            </a:extLst>
-          </p:cNvPr>
-          <p:cNvSpPr>
-            <a:spLocks noGrp="1"/>
-          </p:cNvSpPr>
-          <p:nvPr>
-            <p:ph idx="1"/>
-          </p:nvPr>
-        </p:nvSpPr>
-        <p:spPr/>
-        <p:txBody>
-          <a:bodyPr/>
-          <a:lstStyle/>
-          <a:p>
-            <a:pPr algn="l" rtl="0"/>
-            <a:r>
-              <a:rPr lang="en-US" dirty="0"/>
-              <a:t>Cascading…</a:t>
-            </a:r>
-          </a:p>
-          <a:p>
-            <a:pPr algn="l" rtl="0"/>
-            <a:r>
-              <a:rPr lang="en-US" dirty="0"/>
-              <a:t>Sizes…(https://www.w3schools.com/cssref/css_units.asp)</a:t>
-            </a:r>
-          </a:p>
-          <a:p>
-            <a:pPr algn="l" rtl="0"/>
-            <a:r>
-              <a:rPr lang="en-US" dirty="0"/>
-              <a:t>Display… (https://www.w3schools.com/cssref/pr_class_display.asp)</a:t>
-            </a:r>
-            <a:endParaRPr lang="he-IL" dirty="0"/>
-          </a:p>
-        </p:txBody>
-      </p:sp>
-    </p:spTree>
-    <p:extLst>
-      <p:ext uri="{BB962C8B-B14F-4D97-AF65-F5344CB8AC3E}">
-        <p14:creationId xmlns:p14="http://schemas.microsoft.com/office/powerpoint/2010/main" val="1937462946"/>
-      </p:ext>
-    </p:extLst>
-  </p:cSld>
-  <p:clrMapOvr>
-    <a:masterClrMapping/>
-  </p:clrMapOvr>
-</p:sld>
-</file>
-
-<file path=ppt/slides/slide4.xml><?xml version="1.0" encoding="utf-8"?>
-<p:sld xmlns:a="http://schemas.openxmlformats.org/drawingml/2006/main" xmlns:r="http://schemas.openxmlformats.org/officeDocument/2006/relationships" xmlns:p="http://schemas.openxmlformats.org/presentationml/2006/main">
-  <p:cSld>
-    <p:spTree>
-      <p:nvGrpSpPr>
-        <p:cNvPr id="1" name=""/>
-        <p:cNvGrpSpPr/>
-        <p:nvPr/>
-      </p:nvGrpSpPr>
-      <p:grpSpPr>
-        <a:xfrm>
-          <a:off x="0" y="0"/>
-          <a:ext cx="0" cy="0"/>
-          <a:chOff x="0" y="0"/>
-          <a:chExt cx="0" cy="0"/>
-        </a:xfrm>
-      </p:grpSpPr>
-      <p:sp>
-        <p:nvSpPr>
-          <p:cNvPr id="2" name="כותרת 1">
-            <a:extLst>
-              <a:ext uri="{FF2B5EF4-FFF2-40B4-BE49-F238E27FC236}">
-                <a16:creationId xmlns:a16="http://schemas.microsoft.com/office/drawing/2014/main" id="{C26C86FC-F1CD-49E1-831A-6C50BD2138A9}"/>
-              </a:ext>
-            </a:extLst>
-          </p:cNvPr>
-          <p:cNvSpPr>
-            <a:spLocks noGrp="1"/>
-          </p:cNvSpPr>
-          <p:nvPr>
-            <p:ph type="title"/>
-          </p:nvPr>
-        </p:nvSpPr>
-        <p:spPr/>
-        <p:txBody>
-          <a:bodyPr/>
-          <a:lstStyle/>
-          <a:p>
-            <a:r>
-              <a:rPr lang="en-US" dirty="0"/>
-              <a:t>CSS - positions</a:t>
-            </a:r>
-            <a:endParaRPr lang="he-IL" dirty="0"/>
-          </a:p>
-        </p:txBody>
-      </p:sp>
-      <p:pic>
-        <p:nvPicPr>
-          <p:cNvPr id="4" name="תמונה 3">
-            <a:extLst>
-              <a:ext uri="{FF2B5EF4-FFF2-40B4-BE49-F238E27FC236}">
-                <a16:creationId xmlns:a16="http://schemas.microsoft.com/office/drawing/2014/main" id="{AA2F88C7-AC5F-4049-B9F3-94AF06CFE44C}"/>
-              </a:ext>
-            </a:extLst>
-          </p:cNvPr>
-          <p:cNvPicPr>
-            <a:picLocks noChangeAspect="1"/>
-          </p:cNvPicPr>
-          <p:nvPr/>
-        </p:nvPicPr>
-        <p:blipFill>
-          <a:blip r:embed="rId2"/>
-          <a:stretch>
-            <a:fillRect/>
-          </a:stretch>
-        </p:blipFill>
-        <p:spPr>
-          <a:xfrm>
-            <a:off x="276248" y="1570746"/>
-            <a:ext cx="11269641" cy="4211076"/>
-          </a:xfrm>
-          <a:prstGeom prst="rect">
-            <a:avLst/>
-          </a:prstGeom>
-        </p:spPr>
-      </p:pic>
-      <p:sp>
-        <p:nvSpPr>
-          <p:cNvPr id="5" name="TextBox 4">
-            <a:extLst>
-              <a:ext uri="{FF2B5EF4-FFF2-40B4-BE49-F238E27FC236}">
-                <a16:creationId xmlns:a16="http://schemas.microsoft.com/office/drawing/2014/main" id="{5FF89170-6A84-4948-8E7C-453C636CEAB5}"/>
-              </a:ext>
-            </a:extLst>
-          </p:cNvPr>
-          <p:cNvSpPr txBox="1"/>
-          <p:nvPr/>
-        </p:nvSpPr>
-        <p:spPr>
-          <a:xfrm>
-            <a:off x="1012874" y="6091311"/>
-            <a:ext cx="6372664" cy="369332"/>
-          </a:xfrm>
-          <a:prstGeom prst="rect">
-            <a:avLst/>
-          </a:prstGeom>
-          <a:noFill/>
-        </p:spPr>
-        <p:txBody>
-          <a:bodyPr wrap="square" rtlCol="1">
-            <a:spAutoFit/>
-          </a:bodyPr>
-          <a:lstStyle/>
-          <a:p>
-            <a:r>
-              <a:rPr lang="en-US" dirty="0"/>
-              <a:t>\02 - CSS3\index.html</a:t>
-            </a:r>
-            <a:endParaRPr lang="he-IL" dirty="0"/>
-          </a:p>
-        </p:txBody>
-      </p:sp>
-    </p:spTree>
-    <p:extLst>
-      <p:ext uri="{BB962C8B-B14F-4D97-AF65-F5344CB8AC3E}">
-        <p14:creationId xmlns:p14="http://schemas.microsoft.com/office/powerpoint/2010/main" val="2704459783"/>
-      </p:ext>
-    </p:extLst>
-  </p:cSld>
-  <p:clrMapOvr>
-    <a:masterClrMapping/>
-  </p:clrMapOvr>
-</p:sld>
-</file>
-
-<file path=ppt/slides/slide5.xml><?xml version="1.0" encoding="utf-8"?>
-<p:sld xmlns:a="http://schemas.openxmlformats.org/drawingml/2006/main" xmlns:r="http://schemas.openxmlformats.org/officeDocument/2006/relationships" xmlns:p="http://schemas.openxmlformats.org/presentationml/2006/main">
-  <p:cSld>
-    <p:spTree>
-      <p:nvGrpSpPr>
-        <p:cNvPr id="1" name=""/>
-        <p:cNvGrpSpPr/>
-        <p:nvPr/>
-      </p:nvGrpSpPr>
-      <p:grpSpPr>
-        <a:xfrm>
-          <a:off x="0" y="0"/>
-          <a:ext cx="0" cy="0"/>
-          <a:chOff x="0" y="0"/>
-          <a:chExt cx="0" cy="0"/>
-        </a:xfrm>
-      </p:grpSpPr>
-      <p:sp>
-        <p:nvSpPr>
-          <p:cNvPr id="2" name="כותרת 1">
-            <a:extLst>
-              <a:ext uri="{FF2B5EF4-FFF2-40B4-BE49-F238E27FC236}">
-                <a16:creationId xmlns:a16="http://schemas.microsoft.com/office/drawing/2014/main" id="{C26C86FC-F1CD-49E1-831A-6C50BD2138A9}"/>
-              </a:ext>
-            </a:extLst>
-          </p:cNvPr>
-          <p:cNvSpPr>
-            <a:spLocks noGrp="1"/>
-          </p:cNvSpPr>
-          <p:nvPr>
-            <p:ph type="title"/>
-          </p:nvPr>
-        </p:nvSpPr>
-        <p:spPr/>
-        <p:txBody>
-          <a:bodyPr/>
-          <a:lstStyle/>
-          <a:p>
-            <a:r>
-              <a:rPr lang="en-US" dirty="0"/>
-              <a:t>CSS - positions</a:t>
-            </a:r>
-            <a:endParaRPr lang="he-IL" dirty="0"/>
-          </a:p>
-        </p:txBody>
-      </p:sp>
-      <p:sp>
-        <p:nvSpPr>
-          <p:cNvPr id="3" name="מציין מיקום תוכן 2">
-            <a:extLst>
-              <a:ext uri="{FF2B5EF4-FFF2-40B4-BE49-F238E27FC236}">
-                <a16:creationId xmlns:a16="http://schemas.microsoft.com/office/drawing/2014/main" id="{BC435BA6-1C82-4B21-B6CF-895F53BE234C}"/>
-              </a:ext>
-            </a:extLst>
-          </p:cNvPr>
-          <p:cNvSpPr>
-            <a:spLocks noGrp="1"/>
-          </p:cNvSpPr>
-          <p:nvPr>
-            <p:ph idx="1"/>
-          </p:nvPr>
-        </p:nvSpPr>
-        <p:spPr/>
-        <p:txBody>
-          <a:bodyPr/>
-          <a:lstStyle/>
-          <a:p>
-            <a:pPr algn="l" rtl="0"/>
-            <a:r>
-              <a:rPr lang="en-US" dirty="0"/>
-              <a:t>Static – default</a:t>
-            </a:r>
-          </a:p>
-          <a:p>
-            <a:pPr algn="l" rtl="0"/>
-            <a:r>
-              <a:rPr lang="en-US" dirty="0"/>
-              <a:t>Fixed – fixed on window</a:t>
-            </a:r>
-          </a:p>
-          <a:p>
-            <a:pPr algn="l" rtl="0"/>
-            <a:r>
-              <a:rPr lang="en-US" dirty="0"/>
-              <a:t>Relative – relative to the position (div is still taking its place)</a:t>
-            </a:r>
-          </a:p>
-          <a:p>
-            <a:pPr algn="l" rtl="0"/>
-            <a:r>
-              <a:rPr lang="en-US" dirty="0"/>
-              <a:t>Absolute - the element is positioned relative to its first positioned parent, and don’t take space</a:t>
-            </a:r>
-          </a:p>
-          <a:p>
-            <a:pPr algn="l" rtl="0"/>
-            <a:r>
-              <a:rPr lang="en-US" dirty="0"/>
-              <a:t>Sticky – cool new feature (https://www.w3schools.com/cssref/tryit.asp?filename=trycss_position_sticky)</a:t>
-            </a:r>
-          </a:p>
-        </p:txBody>
-      </p:sp>
-    </p:spTree>
-    <p:extLst>
-      <p:ext uri="{BB962C8B-B14F-4D97-AF65-F5344CB8AC3E}">
-        <p14:creationId xmlns:p14="http://schemas.microsoft.com/office/powerpoint/2010/main" val="4158079558"/>
-      </p:ext>
-    </p:extLst>
-  </p:cSld>
-  <p:clrMapOvr>
-    <a:masterClrMapping/>
-  </p:clrMapOvr>
-</p:sld>
-</file>
-
-<file path=ppt/slides/slide6.xml><?xml version="1.0" encoding="utf-8"?>
+<file path=ppt/slides/slide10.xml><?xml version="1.0" encoding="utf-8"?>
 <p:sld xmlns:a="http://schemas.openxmlformats.org/drawingml/2006/main" xmlns:r="http://schemas.openxmlformats.org/officeDocument/2006/relationships" xmlns:p="http://schemas.openxmlformats.org/presentationml/2006/main">
   <p:cSld>
     <p:spTree>
@@ -6850,7 +6319,7 @@
 </p:sld>
 </file>
 
-<file path=ppt/slides/slide7.xml><?xml version="1.0" encoding="utf-8"?>
+<file path=ppt/slides/slide11.xml><?xml version="1.0" encoding="utf-8"?>
 <p:sld xmlns:a="http://schemas.openxmlformats.org/drawingml/2006/main" xmlns:r="http://schemas.openxmlformats.org/officeDocument/2006/relationships" xmlns:p="http://schemas.openxmlformats.org/presentationml/2006/main">
   <p:cSld>
     <p:spTree>
@@ -7790,7 +7259,7 @@
 </p:sld>
 </file>
 
-<file path=ppt/slides/slide8.xml><?xml version="1.0" encoding="utf-8"?>
+<file path=ppt/slides/slide12.xml><?xml version="1.0" encoding="utf-8"?>
 <p:sld xmlns:a="http://schemas.openxmlformats.org/drawingml/2006/main" xmlns:r="http://schemas.openxmlformats.org/officeDocument/2006/relationships" xmlns:p="http://schemas.openxmlformats.org/presentationml/2006/main">
   <p:cSld>
     <p:spTree>
@@ -7878,7 +7347,1833 @@
 </p:sld>
 </file>
 
-<file path=ppt/slides/slide9.xml><?xml version="1.0" encoding="utf-8"?>
+<file path=ppt/slides/slide2.xml><?xml version="1.0" encoding="utf-8"?>
+<p:sld xmlns:a="http://schemas.openxmlformats.org/drawingml/2006/main" xmlns:r="http://schemas.openxmlformats.org/officeDocument/2006/relationships" xmlns:p="http://schemas.openxmlformats.org/presentationml/2006/main">
+  <p:cSld>
+    <p:spTree>
+      <p:nvGrpSpPr>
+        <p:cNvPr id="1" name=""/>
+        <p:cNvGrpSpPr/>
+        <p:nvPr/>
+      </p:nvGrpSpPr>
+      <p:grpSpPr>
+        <a:xfrm>
+          <a:off x="0" y="0"/>
+          <a:ext cx="0" cy="0"/>
+          <a:chOff x="0" y="0"/>
+          <a:chExt cx="0" cy="0"/>
+        </a:xfrm>
+      </p:grpSpPr>
+      <p:sp>
+        <p:nvSpPr>
+          <p:cNvPr id="2" name="כותרת 1">
+            <a:extLst>
+              <a:ext uri="{FF2B5EF4-FFF2-40B4-BE49-F238E27FC236}">
+                <a16:creationId xmlns:a16="http://schemas.microsoft.com/office/drawing/2014/main" id="{CD16D5D8-CFD4-49A9-AFAE-ED9AC3B1BBE1}"/>
+              </a:ext>
+            </a:extLst>
+          </p:cNvPr>
+          <p:cNvSpPr>
+            <a:spLocks noGrp="1"/>
+          </p:cNvSpPr>
+          <p:nvPr>
+            <p:ph type="title"/>
+          </p:nvPr>
+        </p:nvSpPr>
+        <p:spPr>
+          <a:xfrm>
+            <a:off x="645130" y="385566"/>
+            <a:ext cx="9404723" cy="1400530"/>
+          </a:xfrm>
+        </p:spPr>
+        <p:txBody>
+          <a:bodyPr/>
+          <a:lstStyle/>
+          <a:p>
+            <a:r>
+              <a:rPr lang="en-US" dirty="0"/>
+              <a:t>HTML CSS3</a:t>
+            </a:r>
+            <a:endParaRPr lang="he-IL" dirty="0"/>
+          </a:p>
+        </p:txBody>
+      </p:sp>
+      <p:sp>
+        <p:nvSpPr>
+          <p:cNvPr id="3" name="מציין מיקום תוכן 2">
+            <a:extLst>
+              <a:ext uri="{FF2B5EF4-FFF2-40B4-BE49-F238E27FC236}">
+                <a16:creationId xmlns:a16="http://schemas.microsoft.com/office/drawing/2014/main" id="{BDC83E40-A943-4924-803E-644399EA4161}"/>
+              </a:ext>
+            </a:extLst>
+          </p:cNvPr>
+          <p:cNvSpPr>
+            <a:spLocks noGrp="1"/>
+          </p:cNvSpPr>
+          <p:nvPr>
+            <p:ph idx="1"/>
+          </p:nvPr>
+        </p:nvSpPr>
+        <p:spPr>
+          <a:xfrm>
+            <a:off x="1103313" y="2052918"/>
+            <a:ext cx="4326816" cy="4195481"/>
+          </a:xfrm>
+        </p:spPr>
+        <p:txBody>
+          <a:bodyPr/>
+          <a:lstStyle/>
+          <a:p>
+            <a:pPr algn="l" rtl="0"/>
+            <a:r>
+              <a:rPr lang="en-US" dirty="0"/>
+              <a:t>CSS = Cascading Style Sheets</a:t>
+            </a:r>
+          </a:p>
+          <a:p>
+            <a:pPr algn="l" rtl="0"/>
+            <a:r>
+              <a:rPr lang="en-US" dirty="0"/>
+              <a:t>CSS3 = Level of development (3) </a:t>
+            </a:r>
+          </a:p>
+          <a:p>
+            <a:pPr algn="l" rtl="0"/>
+            <a:r>
+              <a:rPr lang="en-US" dirty="0"/>
+              <a:t>CSS4 (flexbox)</a:t>
+            </a:r>
+          </a:p>
+          <a:p>
+            <a:pPr algn="l" rtl="0"/>
+            <a:endParaRPr lang="en-US" dirty="0"/>
+          </a:p>
+        </p:txBody>
+      </p:sp>
+      <p:sp>
+        <p:nvSpPr>
+          <p:cNvPr id="5" name="מלבן 4">
+            <a:extLst>
+              <a:ext uri="{FF2B5EF4-FFF2-40B4-BE49-F238E27FC236}">
+                <a16:creationId xmlns:a16="http://schemas.microsoft.com/office/drawing/2014/main" id="{5669864C-87A9-42D1-A999-541CB6100D65}"/>
+              </a:ext>
+            </a:extLst>
+          </p:cNvPr>
+          <p:cNvSpPr/>
+          <p:nvPr/>
+        </p:nvSpPr>
+        <p:spPr>
+          <a:xfrm>
+            <a:off x="815927" y="6200996"/>
+            <a:ext cx="10058400" cy="646331"/>
+          </a:xfrm>
+          <a:prstGeom prst="rect">
+            <a:avLst/>
+          </a:prstGeom>
+        </p:spPr>
+        <p:txBody>
+          <a:bodyPr wrap="square">
+            <a:spAutoFit/>
+          </a:bodyPr>
+          <a:lstStyle/>
+          <a:p>
+            <a:r>
+              <a:rPr lang="he-IL" dirty="0"/>
+              <a:t>https://developers.google.com/web/fundamentals/performance/critical-rendering-path/render-tree-construction</a:t>
+            </a:r>
+          </a:p>
+        </p:txBody>
+      </p:sp>
+      <p:pic>
+        <p:nvPicPr>
+          <p:cNvPr id="6" name="תמונה 5" descr="תמונה שמכילה טקסט, מפה&#10;&#10;תיאור שנוצר ברמת מהימנות גבוהה מאוד">
+            <a:extLst>
+              <a:ext uri="{FF2B5EF4-FFF2-40B4-BE49-F238E27FC236}">
+                <a16:creationId xmlns:a16="http://schemas.microsoft.com/office/drawing/2014/main" id="{93434E16-5DB7-4DF7-ADE8-D3ABDF88EE8F}"/>
+              </a:ext>
+            </a:extLst>
+          </p:cNvPr>
+          <p:cNvPicPr>
+            <a:picLocks noChangeAspect="1"/>
+          </p:cNvPicPr>
+          <p:nvPr/>
+        </p:nvPicPr>
+        <p:blipFill>
+          <a:blip r:embed="rId2">
+            <a:extLst>
+              <a:ext uri="{28A0092B-C50C-407E-A947-70E740481C1C}">
+                <a14:useLocalDpi xmlns:a14="http://schemas.microsoft.com/office/drawing/2010/main" val="0"/>
+              </a:ext>
+            </a:extLst>
+          </a:blip>
+          <a:stretch>
+            <a:fillRect/>
+          </a:stretch>
+        </p:blipFill>
+        <p:spPr>
+          <a:xfrm>
+            <a:off x="4923692" y="2052918"/>
+            <a:ext cx="7160811" cy="3584582"/>
+          </a:xfrm>
+          <a:prstGeom prst="rect">
+            <a:avLst/>
+          </a:prstGeom>
+        </p:spPr>
+      </p:pic>
+    </p:spTree>
+    <p:extLst>
+      <p:ext uri="{BB962C8B-B14F-4D97-AF65-F5344CB8AC3E}">
+        <p14:creationId xmlns:p14="http://schemas.microsoft.com/office/powerpoint/2010/main" val="374457250"/>
+      </p:ext>
+    </p:extLst>
+  </p:cSld>
+  <p:clrMapOvr>
+    <a:masterClrMapping/>
+  </p:clrMapOvr>
+</p:sld>
+</file>
+
+<file path=ppt/slides/slide3.xml><?xml version="1.0" encoding="utf-8"?>
+<p:sld xmlns:a="http://schemas.openxmlformats.org/drawingml/2006/main" xmlns:r="http://schemas.openxmlformats.org/officeDocument/2006/relationships" xmlns:p="http://schemas.openxmlformats.org/presentationml/2006/main">
+  <p:cSld>
+    <p:spTree>
+      <p:nvGrpSpPr>
+        <p:cNvPr id="1" name=""/>
+        <p:cNvGrpSpPr/>
+        <p:nvPr/>
+      </p:nvGrpSpPr>
+      <p:grpSpPr>
+        <a:xfrm>
+          <a:off x="0" y="0"/>
+          <a:ext cx="0" cy="0"/>
+          <a:chOff x="0" y="0"/>
+          <a:chExt cx="0" cy="0"/>
+        </a:xfrm>
+      </p:grpSpPr>
+      <p:sp>
+        <p:nvSpPr>
+          <p:cNvPr id="2" name="כותרת 1">
+            <a:extLst>
+              <a:ext uri="{FF2B5EF4-FFF2-40B4-BE49-F238E27FC236}">
+                <a16:creationId xmlns:a16="http://schemas.microsoft.com/office/drawing/2014/main" id="{2A3F0DA1-7420-43AC-92A6-98464382799D}"/>
+              </a:ext>
+            </a:extLst>
+          </p:cNvPr>
+          <p:cNvSpPr>
+            <a:spLocks noGrp="1"/>
+          </p:cNvSpPr>
+          <p:nvPr>
+            <p:ph type="title"/>
+          </p:nvPr>
+        </p:nvSpPr>
+        <p:spPr/>
+        <p:txBody>
+          <a:bodyPr/>
+          <a:lstStyle/>
+          <a:p>
+            <a:r>
+              <a:rPr lang="en-US" dirty="0"/>
+              <a:t>Nesting</a:t>
+            </a:r>
+            <a:endParaRPr lang="he-IL" dirty="0"/>
+          </a:p>
+        </p:txBody>
+      </p:sp>
+      <p:pic>
+        <p:nvPicPr>
+          <p:cNvPr id="6" name="מציין מיקום תוכן 5">
+            <a:extLst>
+              <a:ext uri="{FF2B5EF4-FFF2-40B4-BE49-F238E27FC236}">
+                <a16:creationId xmlns:a16="http://schemas.microsoft.com/office/drawing/2014/main" id="{2C9B4B7D-2BEB-4C62-BDF4-8F25F4AADE51}"/>
+              </a:ext>
+            </a:extLst>
+          </p:cNvPr>
+          <p:cNvPicPr>
+            <a:picLocks noGrp="1" noChangeAspect="1"/>
+          </p:cNvPicPr>
+          <p:nvPr>
+            <p:ph sz="half" idx="1"/>
+          </p:nvPr>
+        </p:nvPicPr>
+        <p:blipFill>
+          <a:blip r:embed="rId2"/>
+          <a:stretch>
+            <a:fillRect/>
+          </a:stretch>
+        </p:blipFill>
+        <p:spPr>
+          <a:xfrm>
+            <a:off x="241942" y="2859941"/>
+            <a:ext cx="5106530" cy="2592546"/>
+          </a:xfrm>
+          <a:prstGeom prst="rect">
+            <a:avLst/>
+          </a:prstGeom>
+        </p:spPr>
+      </p:pic>
+      <p:pic>
+        <p:nvPicPr>
+          <p:cNvPr id="7" name="מציין מיקום תוכן 6">
+            <a:extLst>
+              <a:ext uri="{FF2B5EF4-FFF2-40B4-BE49-F238E27FC236}">
+                <a16:creationId xmlns:a16="http://schemas.microsoft.com/office/drawing/2014/main" id="{42F055C1-ECC0-498D-98E7-FD95CAEB4179}"/>
+              </a:ext>
+            </a:extLst>
+          </p:cNvPr>
+          <p:cNvPicPr>
+            <a:picLocks noGrp="1" noChangeAspect="1"/>
+          </p:cNvPicPr>
+          <p:nvPr>
+            <p:ph sz="half" idx="2"/>
+          </p:nvPr>
+        </p:nvPicPr>
+        <p:blipFill>
+          <a:blip r:embed="rId3"/>
+          <a:stretch>
+            <a:fillRect/>
+          </a:stretch>
+        </p:blipFill>
+        <p:spPr>
+          <a:xfrm>
+            <a:off x="7002939" y="2946539"/>
+            <a:ext cx="3162300" cy="2419350"/>
+          </a:xfrm>
+          <a:prstGeom prst="rect">
+            <a:avLst/>
+          </a:prstGeom>
+        </p:spPr>
+      </p:pic>
+      <p:sp>
+        <p:nvSpPr>
+          <p:cNvPr id="8" name="חץ: ימינה 7">
+            <a:extLst>
+              <a:ext uri="{FF2B5EF4-FFF2-40B4-BE49-F238E27FC236}">
+                <a16:creationId xmlns:a16="http://schemas.microsoft.com/office/drawing/2014/main" id="{1958C229-04D1-4889-A4CF-5A01428A93CC}"/>
+              </a:ext>
+            </a:extLst>
+          </p:cNvPr>
+          <p:cNvSpPr/>
+          <p:nvPr/>
+        </p:nvSpPr>
+        <p:spPr>
+          <a:xfrm>
+            <a:off x="5598942" y="3840480"/>
+            <a:ext cx="1069144" cy="787791"/>
+          </a:xfrm>
+          <a:prstGeom prst="rightArrow">
+            <a:avLst/>
+          </a:prstGeom>
+        </p:spPr>
+        <p:style>
+          <a:lnRef idx="2">
+            <a:schemeClr val="accent1">
+              <a:shade val="50000"/>
+            </a:schemeClr>
+          </a:lnRef>
+          <a:fillRef idx="1">
+            <a:schemeClr val="accent1"/>
+          </a:fillRef>
+          <a:effectRef idx="0">
+            <a:schemeClr val="accent1"/>
+          </a:effectRef>
+          <a:fontRef idx="minor">
+            <a:schemeClr val="lt1"/>
+          </a:fontRef>
+        </p:style>
+        <p:txBody>
+          <a:bodyPr rtlCol="1" anchor="ctr"/>
+          <a:lstStyle/>
+          <a:p>
+            <a:pPr algn="ctr"/>
+            <a:endParaRPr lang="he-IL"/>
+          </a:p>
+        </p:txBody>
+      </p:sp>
+    </p:spTree>
+    <p:extLst>
+      <p:ext uri="{BB962C8B-B14F-4D97-AF65-F5344CB8AC3E}">
+        <p14:creationId xmlns:p14="http://schemas.microsoft.com/office/powerpoint/2010/main" val="3607602534"/>
+      </p:ext>
+    </p:extLst>
+  </p:cSld>
+  <p:clrMapOvr>
+    <a:masterClrMapping/>
+  </p:clrMapOvr>
+</p:sld>
+</file>
+
+<file path=ppt/slides/slide4.xml><?xml version="1.0" encoding="utf-8"?>
+<p:sld xmlns:a="http://schemas.openxmlformats.org/drawingml/2006/main" xmlns:r="http://schemas.openxmlformats.org/officeDocument/2006/relationships" xmlns:p="http://schemas.openxmlformats.org/presentationml/2006/main">
+  <p:cSld>
+    <p:spTree>
+      <p:nvGrpSpPr>
+        <p:cNvPr id="1" name=""/>
+        <p:cNvGrpSpPr/>
+        <p:nvPr/>
+      </p:nvGrpSpPr>
+      <p:grpSpPr>
+        <a:xfrm>
+          <a:off x="0" y="0"/>
+          <a:ext cx="0" cy="0"/>
+          <a:chOff x="0" y="0"/>
+          <a:chExt cx="0" cy="0"/>
+        </a:xfrm>
+      </p:grpSpPr>
+      <p:sp>
+        <p:nvSpPr>
+          <p:cNvPr id="2" name="כותרת 1">
+            <a:extLst>
+              <a:ext uri="{FF2B5EF4-FFF2-40B4-BE49-F238E27FC236}">
+                <a16:creationId xmlns:a16="http://schemas.microsoft.com/office/drawing/2014/main" id="{2A3F0DA1-7420-43AC-92A6-98464382799D}"/>
+              </a:ext>
+            </a:extLst>
+          </p:cNvPr>
+          <p:cNvSpPr>
+            <a:spLocks noGrp="1"/>
+          </p:cNvSpPr>
+          <p:nvPr>
+            <p:ph type="title"/>
+          </p:nvPr>
+        </p:nvSpPr>
+        <p:spPr/>
+        <p:txBody>
+          <a:bodyPr/>
+          <a:lstStyle/>
+          <a:p>
+            <a:r>
+              <a:rPr lang="en-US" dirty="0"/>
+              <a:t>Nesting</a:t>
+            </a:r>
+            <a:endParaRPr lang="he-IL" dirty="0"/>
+          </a:p>
+        </p:txBody>
+      </p:sp>
+      <p:sp>
+        <p:nvSpPr>
+          <p:cNvPr id="8" name="חץ: ימינה 7">
+            <a:extLst>
+              <a:ext uri="{FF2B5EF4-FFF2-40B4-BE49-F238E27FC236}">
+                <a16:creationId xmlns:a16="http://schemas.microsoft.com/office/drawing/2014/main" id="{1958C229-04D1-4889-A4CF-5A01428A93CC}"/>
+              </a:ext>
+            </a:extLst>
+          </p:cNvPr>
+          <p:cNvSpPr/>
+          <p:nvPr/>
+        </p:nvSpPr>
+        <p:spPr>
+          <a:xfrm>
+            <a:off x="10156874" y="4093698"/>
+            <a:ext cx="1069144" cy="787791"/>
+          </a:xfrm>
+          <a:prstGeom prst="rightArrow">
+            <a:avLst/>
+          </a:prstGeom>
+        </p:spPr>
+        <p:style>
+          <a:lnRef idx="2">
+            <a:schemeClr val="accent1">
+              <a:shade val="50000"/>
+            </a:schemeClr>
+          </a:lnRef>
+          <a:fillRef idx="1">
+            <a:schemeClr val="accent1"/>
+          </a:fillRef>
+          <a:effectRef idx="0">
+            <a:schemeClr val="accent1"/>
+          </a:effectRef>
+          <a:fontRef idx="minor">
+            <a:schemeClr val="lt1"/>
+          </a:fontRef>
+        </p:style>
+        <p:txBody>
+          <a:bodyPr rtlCol="1" anchor="ctr"/>
+          <a:lstStyle/>
+          <a:p>
+            <a:pPr algn="ctr"/>
+            <a:endParaRPr lang="he-IL"/>
+          </a:p>
+        </p:txBody>
+      </p:sp>
+      <p:sp>
+        <p:nvSpPr>
+          <p:cNvPr id="3" name="תיבת טקסט 2">
+            <a:extLst>
+              <a:ext uri="{FF2B5EF4-FFF2-40B4-BE49-F238E27FC236}">
+                <a16:creationId xmlns:a16="http://schemas.microsoft.com/office/drawing/2014/main" id="{EC60D74A-4059-4F72-8220-282B532B331A}"/>
+              </a:ext>
+            </a:extLst>
+          </p:cNvPr>
+          <p:cNvSpPr txBox="1"/>
+          <p:nvPr/>
+        </p:nvSpPr>
+        <p:spPr>
+          <a:xfrm>
+            <a:off x="646111" y="1378634"/>
+            <a:ext cx="8118061" cy="369332"/>
+          </a:xfrm>
+          <a:prstGeom prst="rect">
+            <a:avLst/>
+          </a:prstGeom>
+          <a:noFill/>
+        </p:spPr>
+        <p:txBody>
+          <a:bodyPr wrap="square" rtlCol="1">
+            <a:spAutoFit/>
+          </a:bodyPr>
+          <a:lstStyle/>
+          <a:p>
+            <a:r>
+              <a:rPr lang="en-US" dirty="0"/>
+              <a:t>With nesting we can wrap all sub DOM elements</a:t>
+            </a:r>
+            <a:endParaRPr lang="he-IL" dirty="0"/>
+          </a:p>
+        </p:txBody>
+      </p:sp>
+      <p:pic>
+        <p:nvPicPr>
+          <p:cNvPr id="4" name="תמונה 3">
+            <a:extLst>
+              <a:ext uri="{FF2B5EF4-FFF2-40B4-BE49-F238E27FC236}">
+                <a16:creationId xmlns:a16="http://schemas.microsoft.com/office/drawing/2014/main" id="{05A07344-40B8-463B-8329-B330B6F1E7E4}"/>
+              </a:ext>
+            </a:extLst>
+          </p:cNvPr>
+          <p:cNvPicPr>
+            <a:picLocks noChangeAspect="1"/>
+          </p:cNvPicPr>
+          <p:nvPr/>
+        </p:nvPicPr>
+        <p:blipFill>
+          <a:blip r:embed="rId2"/>
+          <a:stretch>
+            <a:fillRect/>
+          </a:stretch>
+        </p:blipFill>
+        <p:spPr>
+          <a:xfrm>
+            <a:off x="131071" y="2234919"/>
+            <a:ext cx="4792622" cy="3998912"/>
+          </a:xfrm>
+          <a:prstGeom prst="rect">
+            <a:avLst/>
+          </a:prstGeom>
+        </p:spPr>
+      </p:pic>
+      <p:pic>
+        <p:nvPicPr>
+          <p:cNvPr id="12" name="תמונה 11">
+            <a:extLst>
+              <a:ext uri="{FF2B5EF4-FFF2-40B4-BE49-F238E27FC236}">
+                <a16:creationId xmlns:a16="http://schemas.microsoft.com/office/drawing/2014/main" id="{0134129D-E007-4772-8696-3AA812D73B80}"/>
+              </a:ext>
+            </a:extLst>
+          </p:cNvPr>
+          <p:cNvPicPr>
+            <a:picLocks noChangeAspect="1"/>
+          </p:cNvPicPr>
+          <p:nvPr/>
+        </p:nvPicPr>
+        <p:blipFill>
+          <a:blip r:embed="rId3"/>
+          <a:stretch>
+            <a:fillRect/>
+          </a:stretch>
+        </p:blipFill>
+        <p:spPr>
+          <a:xfrm>
+            <a:off x="4923693" y="2234920"/>
+            <a:ext cx="3327953" cy="3998911"/>
+          </a:xfrm>
+          <a:prstGeom prst="rect">
+            <a:avLst/>
+          </a:prstGeom>
+        </p:spPr>
+      </p:pic>
+      <p:pic>
+        <p:nvPicPr>
+          <p:cNvPr id="13" name="תמונה 12">
+            <a:extLst>
+              <a:ext uri="{FF2B5EF4-FFF2-40B4-BE49-F238E27FC236}">
+                <a16:creationId xmlns:a16="http://schemas.microsoft.com/office/drawing/2014/main" id="{92D09044-CD75-46C8-91FA-445A51A15666}"/>
+              </a:ext>
+            </a:extLst>
+          </p:cNvPr>
+          <p:cNvPicPr>
+            <a:picLocks noChangeAspect="1"/>
+          </p:cNvPicPr>
+          <p:nvPr/>
+        </p:nvPicPr>
+        <p:blipFill>
+          <a:blip r:embed="rId4"/>
+          <a:stretch>
+            <a:fillRect/>
+          </a:stretch>
+        </p:blipFill>
+        <p:spPr>
+          <a:xfrm>
+            <a:off x="7577138" y="4167297"/>
+            <a:ext cx="4614862" cy="2624137"/>
+          </a:xfrm>
+          <a:prstGeom prst="rect">
+            <a:avLst/>
+          </a:prstGeom>
+        </p:spPr>
+      </p:pic>
+    </p:spTree>
+    <p:extLst>
+      <p:ext uri="{BB962C8B-B14F-4D97-AF65-F5344CB8AC3E}">
+        <p14:creationId xmlns:p14="http://schemas.microsoft.com/office/powerpoint/2010/main" val="3596529262"/>
+      </p:ext>
+    </p:extLst>
+  </p:cSld>
+  <p:clrMapOvr>
+    <a:masterClrMapping/>
+  </p:clrMapOvr>
+</p:sld>
+</file>
+
+<file path=ppt/slides/slide5.xml><?xml version="1.0" encoding="utf-8"?>
+<p:sld xmlns:a="http://schemas.openxmlformats.org/drawingml/2006/main" xmlns:r="http://schemas.openxmlformats.org/officeDocument/2006/relationships" xmlns:p="http://schemas.openxmlformats.org/presentationml/2006/main">
+  <p:cSld>
+    <p:spTree>
+      <p:nvGrpSpPr>
+        <p:cNvPr id="1" name=""/>
+        <p:cNvGrpSpPr/>
+        <p:nvPr/>
+      </p:nvGrpSpPr>
+      <p:grpSpPr>
+        <a:xfrm>
+          <a:off x="0" y="0"/>
+          <a:ext cx="0" cy="0"/>
+          <a:chOff x="0" y="0"/>
+          <a:chExt cx="0" cy="0"/>
+        </a:xfrm>
+      </p:grpSpPr>
+      <p:sp>
+        <p:nvSpPr>
+          <p:cNvPr id="2" name="כותרת 1">
+            <a:extLst>
+              <a:ext uri="{FF2B5EF4-FFF2-40B4-BE49-F238E27FC236}">
+                <a16:creationId xmlns:a16="http://schemas.microsoft.com/office/drawing/2014/main" id="{2A3F0DA1-7420-43AC-92A6-98464382799D}"/>
+              </a:ext>
+            </a:extLst>
+          </p:cNvPr>
+          <p:cNvSpPr>
+            <a:spLocks noGrp="1"/>
+          </p:cNvSpPr>
+          <p:nvPr>
+            <p:ph type="title"/>
+          </p:nvPr>
+        </p:nvSpPr>
+        <p:spPr/>
+        <p:txBody>
+          <a:bodyPr/>
+          <a:lstStyle/>
+          <a:p>
+            <a:r>
+              <a:rPr lang="en-US" dirty="0"/>
+              <a:t>Nesting</a:t>
+            </a:r>
+            <a:endParaRPr lang="he-IL" dirty="0"/>
+          </a:p>
+        </p:txBody>
+      </p:sp>
+      <p:sp>
+        <p:nvSpPr>
+          <p:cNvPr id="3" name="תיבת טקסט 2">
+            <a:extLst>
+              <a:ext uri="{FF2B5EF4-FFF2-40B4-BE49-F238E27FC236}">
+                <a16:creationId xmlns:a16="http://schemas.microsoft.com/office/drawing/2014/main" id="{EC60D74A-4059-4F72-8220-282B532B331A}"/>
+              </a:ext>
+            </a:extLst>
+          </p:cNvPr>
+          <p:cNvSpPr txBox="1"/>
+          <p:nvPr/>
+        </p:nvSpPr>
+        <p:spPr>
+          <a:xfrm>
+            <a:off x="646111" y="1378634"/>
+            <a:ext cx="8118061" cy="369332"/>
+          </a:xfrm>
+          <a:prstGeom prst="rect">
+            <a:avLst/>
+          </a:prstGeom>
+          <a:noFill/>
+        </p:spPr>
+        <p:txBody>
+          <a:bodyPr wrap="square" rtlCol="1">
+            <a:spAutoFit/>
+          </a:bodyPr>
+          <a:lstStyle/>
+          <a:p>
+            <a:r>
+              <a:rPr lang="en-US" dirty="0"/>
+              <a:t>Can you explain how this page is nested?</a:t>
+            </a:r>
+            <a:endParaRPr lang="he-IL" dirty="0"/>
+          </a:p>
+        </p:txBody>
+      </p:sp>
+      <p:pic>
+        <p:nvPicPr>
+          <p:cNvPr id="5" name="תמונה 4">
+            <a:extLst>
+              <a:ext uri="{FF2B5EF4-FFF2-40B4-BE49-F238E27FC236}">
+                <a16:creationId xmlns:a16="http://schemas.microsoft.com/office/drawing/2014/main" id="{BD741C0C-9385-43DE-80EC-81918F2BBA2B}"/>
+              </a:ext>
+            </a:extLst>
+          </p:cNvPr>
+          <p:cNvPicPr>
+            <a:picLocks noChangeAspect="1"/>
+          </p:cNvPicPr>
+          <p:nvPr/>
+        </p:nvPicPr>
+        <p:blipFill rotWithShape="1">
+          <a:blip r:embed="rId2"/>
+          <a:srcRect t="9005" r="1115" b="6580"/>
+          <a:stretch/>
+        </p:blipFill>
+        <p:spPr>
+          <a:xfrm>
+            <a:off x="1055077" y="1975563"/>
+            <a:ext cx="9642871" cy="4628113"/>
+          </a:xfrm>
+          <a:prstGeom prst="rect">
+            <a:avLst/>
+          </a:prstGeom>
+          <a:ln>
+            <a:noFill/>
+          </a:ln>
+          <a:effectLst>
+            <a:outerShdw blurRad="292100" dist="139700" dir="2700000" algn="tl" rotWithShape="0">
+              <a:srgbClr val="333333">
+                <a:alpha val="65000"/>
+              </a:srgbClr>
+            </a:outerShdw>
+          </a:effectLst>
+        </p:spPr>
+      </p:pic>
+      <p:sp>
+        <p:nvSpPr>
+          <p:cNvPr id="6" name="מלבן 5">
+            <a:extLst>
+              <a:ext uri="{FF2B5EF4-FFF2-40B4-BE49-F238E27FC236}">
+                <a16:creationId xmlns:a16="http://schemas.microsoft.com/office/drawing/2014/main" id="{F14C284F-DA7A-4407-82A0-49824C3614C6}"/>
+              </a:ext>
+            </a:extLst>
+          </p:cNvPr>
+          <p:cNvSpPr/>
+          <p:nvPr/>
+        </p:nvSpPr>
+        <p:spPr>
+          <a:xfrm>
+            <a:off x="5233182" y="2335237"/>
+            <a:ext cx="3671667" cy="4268439"/>
+          </a:xfrm>
+          <a:prstGeom prst="rect">
+            <a:avLst/>
+          </a:prstGeom>
+          <a:noFill/>
+          <a:ln w="38100"/>
+        </p:spPr>
+        <p:style>
+          <a:lnRef idx="2">
+            <a:schemeClr val="accent1">
+              <a:shade val="50000"/>
+            </a:schemeClr>
+          </a:lnRef>
+          <a:fillRef idx="1">
+            <a:schemeClr val="accent1"/>
+          </a:fillRef>
+          <a:effectRef idx="0">
+            <a:schemeClr val="accent1"/>
+          </a:effectRef>
+          <a:fontRef idx="minor">
+            <a:schemeClr val="lt1"/>
+          </a:fontRef>
+        </p:style>
+        <p:txBody>
+          <a:bodyPr rtlCol="1" anchor="ctr"/>
+          <a:lstStyle/>
+          <a:p>
+            <a:pPr algn="ctr"/>
+            <a:endParaRPr lang="he-IL"/>
+          </a:p>
+        </p:txBody>
+      </p:sp>
+      <p:sp>
+        <p:nvSpPr>
+          <p:cNvPr id="10" name="מלבן 9">
+            <a:extLst>
+              <a:ext uri="{FF2B5EF4-FFF2-40B4-BE49-F238E27FC236}">
+                <a16:creationId xmlns:a16="http://schemas.microsoft.com/office/drawing/2014/main" id="{42972346-A305-4D8E-ABED-2CBBCF611D62}"/>
+              </a:ext>
+            </a:extLst>
+          </p:cNvPr>
+          <p:cNvSpPr/>
+          <p:nvPr/>
+        </p:nvSpPr>
+        <p:spPr>
+          <a:xfrm>
+            <a:off x="2869307" y="2318825"/>
+            <a:ext cx="2363875" cy="4268439"/>
+          </a:xfrm>
+          <a:prstGeom prst="rect">
+            <a:avLst/>
+          </a:prstGeom>
+          <a:noFill/>
+          <a:ln w="38100"/>
+        </p:spPr>
+        <p:style>
+          <a:lnRef idx="2">
+            <a:schemeClr val="accent1">
+              <a:shade val="50000"/>
+            </a:schemeClr>
+          </a:lnRef>
+          <a:fillRef idx="1">
+            <a:schemeClr val="accent1"/>
+          </a:fillRef>
+          <a:effectRef idx="0">
+            <a:schemeClr val="accent1"/>
+          </a:effectRef>
+          <a:fontRef idx="minor">
+            <a:schemeClr val="lt1"/>
+          </a:fontRef>
+        </p:style>
+        <p:txBody>
+          <a:bodyPr rtlCol="1" anchor="ctr"/>
+          <a:lstStyle/>
+          <a:p>
+            <a:pPr algn="ctr"/>
+            <a:endParaRPr lang="he-IL"/>
+          </a:p>
+        </p:txBody>
+      </p:sp>
+      <p:sp>
+        <p:nvSpPr>
+          <p:cNvPr id="11" name="מלבן 10">
+            <a:extLst>
+              <a:ext uri="{FF2B5EF4-FFF2-40B4-BE49-F238E27FC236}">
+                <a16:creationId xmlns:a16="http://schemas.microsoft.com/office/drawing/2014/main" id="{D175B8C8-4268-4E07-BF77-28A0655D9484}"/>
+              </a:ext>
+            </a:extLst>
+          </p:cNvPr>
+          <p:cNvSpPr/>
+          <p:nvPr/>
+        </p:nvSpPr>
+        <p:spPr>
+          <a:xfrm>
+            <a:off x="1055077" y="2302413"/>
+            <a:ext cx="1575581" cy="4268439"/>
+          </a:xfrm>
+          <a:prstGeom prst="rect">
+            <a:avLst/>
+          </a:prstGeom>
+          <a:noFill/>
+          <a:ln w="38100"/>
+        </p:spPr>
+        <p:style>
+          <a:lnRef idx="2">
+            <a:schemeClr val="accent1">
+              <a:shade val="50000"/>
+            </a:schemeClr>
+          </a:lnRef>
+          <a:fillRef idx="1">
+            <a:schemeClr val="accent1"/>
+          </a:fillRef>
+          <a:effectRef idx="0">
+            <a:schemeClr val="accent1"/>
+          </a:effectRef>
+          <a:fontRef idx="minor">
+            <a:schemeClr val="lt1"/>
+          </a:fontRef>
+        </p:style>
+        <p:txBody>
+          <a:bodyPr rtlCol="1" anchor="ctr"/>
+          <a:lstStyle/>
+          <a:p>
+            <a:pPr algn="ctr"/>
+            <a:endParaRPr lang="he-IL"/>
+          </a:p>
+        </p:txBody>
+      </p:sp>
+      <p:sp>
+        <p:nvSpPr>
+          <p:cNvPr id="14" name="מלבן 13">
+            <a:extLst>
+              <a:ext uri="{FF2B5EF4-FFF2-40B4-BE49-F238E27FC236}">
+                <a16:creationId xmlns:a16="http://schemas.microsoft.com/office/drawing/2014/main" id="{A485E008-952E-4C0C-A6F9-396449BC8B20}"/>
+              </a:ext>
+            </a:extLst>
+          </p:cNvPr>
+          <p:cNvSpPr/>
+          <p:nvPr/>
+        </p:nvSpPr>
+        <p:spPr>
+          <a:xfrm>
+            <a:off x="8916572" y="2302412"/>
+            <a:ext cx="1575581" cy="4268439"/>
+          </a:xfrm>
+          <a:prstGeom prst="rect">
+            <a:avLst/>
+          </a:prstGeom>
+          <a:noFill/>
+          <a:ln w="38100"/>
+        </p:spPr>
+        <p:style>
+          <a:lnRef idx="2">
+            <a:schemeClr val="accent1">
+              <a:shade val="50000"/>
+            </a:schemeClr>
+          </a:lnRef>
+          <a:fillRef idx="1">
+            <a:schemeClr val="accent1"/>
+          </a:fillRef>
+          <a:effectRef idx="0">
+            <a:schemeClr val="accent1"/>
+          </a:effectRef>
+          <a:fontRef idx="minor">
+            <a:schemeClr val="lt1"/>
+          </a:fontRef>
+        </p:style>
+        <p:txBody>
+          <a:bodyPr rtlCol="1" anchor="ctr"/>
+          <a:lstStyle/>
+          <a:p>
+            <a:pPr algn="ctr"/>
+            <a:endParaRPr lang="he-IL"/>
+          </a:p>
+        </p:txBody>
+      </p:sp>
+      <p:sp>
+        <p:nvSpPr>
+          <p:cNvPr id="15" name="מלבן 14">
+            <a:extLst>
+              <a:ext uri="{FF2B5EF4-FFF2-40B4-BE49-F238E27FC236}">
+                <a16:creationId xmlns:a16="http://schemas.microsoft.com/office/drawing/2014/main" id="{05791056-AD98-4592-ACCF-21B105359FFB}"/>
+              </a:ext>
+            </a:extLst>
+          </p:cNvPr>
+          <p:cNvSpPr/>
+          <p:nvPr/>
+        </p:nvSpPr>
+        <p:spPr>
+          <a:xfrm>
+            <a:off x="6766561" y="1975563"/>
+            <a:ext cx="3519798" cy="326849"/>
+          </a:xfrm>
+          <a:prstGeom prst="rect">
+            <a:avLst/>
+          </a:prstGeom>
+          <a:noFill/>
+          <a:ln w="38100"/>
+        </p:spPr>
+        <p:style>
+          <a:lnRef idx="2">
+            <a:schemeClr val="accent1">
+              <a:shade val="50000"/>
+            </a:schemeClr>
+          </a:lnRef>
+          <a:fillRef idx="1">
+            <a:schemeClr val="accent1"/>
+          </a:fillRef>
+          <a:effectRef idx="0">
+            <a:schemeClr val="accent1"/>
+          </a:effectRef>
+          <a:fontRef idx="minor">
+            <a:schemeClr val="lt1"/>
+          </a:fontRef>
+        </p:style>
+        <p:txBody>
+          <a:bodyPr rtlCol="1" anchor="ctr"/>
+          <a:lstStyle/>
+          <a:p>
+            <a:pPr algn="ctr"/>
+            <a:endParaRPr lang="he-IL"/>
+          </a:p>
+        </p:txBody>
+      </p:sp>
+      <p:sp>
+        <p:nvSpPr>
+          <p:cNvPr id="16" name="מלבן 15">
+            <a:extLst>
+              <a:ext uri="{FF2B5EF4-FFF2-40B4-BE49-F238E27FC236}">
+                <a16:creationId xmlns:a16="http://schemas.microsoft.com/office/drawing/2014/main" id="{172017FF-270A-47A6-9FD5-A1D48B0BFCDC}"/>
+              </a:ext>
+            </a:extLst>
+          </p:cNvPr>
+          <p:cNvSpPr/>
+          <p:nvPr/>
+        </p:nvSpPr>
+        <p:spPr>
+          <a:xfrm>
+            <a:off x="2951368" y="1975562"/>
+            <a:ext cx="3013334" cy="326849"/>
+          </a:xfrm>
+          <a:prstGeom prst="rect">
+            <a:avLst/>
+          </a:prstGeom>
+          <a:noFill/>
+          <a:ln w="38100"/>
+        </p:spPr>
+        <p:style>
+          <a:lnRef idx="2">
+            <a:schemeClr val="accent1">
+              <a:shade val="50000"/>
+            </a:schemeClr>
+          </a:lnRef>
+          <a:fillRef idx="1">
+            <a:schemeClr val="accent1"/>
+          </a:fillRef>
+          <a:effectRef idx="0">
+            <a:schemeClr val="accent1"/>
+          </a:effectRef>
+          <a:fontRef idx="minor">
+            <a:schemeClr val="lt1"/>
+          </a:fontRef>
+        </p:style>
+        <p:txBody>
+          <a:bodyPr rtlCol="1" anchor="ctr"/>
+          <a:lstStyle/>
+          <a:p>
+            <a:pPr algn="ctr"/>
+            <a:endParaRPr lang="he-IL"/>
+          </a:p>
+        </p:txBody>
+      </p:sp>
+    </p:spTree>
+    <p:extLst>
+      <p:ext uri="{BB962C8B-B14F-4D97-AF65-F5344CB8AC3E}">
+        <p14:creationId xmlns:p14="http://schemas.microsoft.com/office/powerpoint/2010/main" val="2142498899"/>
+      </p:ext>
+    </p:extLst>
+  </p:cSld>
+  <p:clrMapOvr>
+    <a:masterClrMapping/>
+  </p:clrMapOvr>
+  <p:timing>
+    <p:tnLst>
+      <p:par>
+        <p:cTn id="1" dur="indefinite" restart="never" nodeType="tmRoot">
+          <p:childTnLst>
+            <p:seq concurrent="1" nextAc="seek">
+              <p:cTn id="2" dur="indefinite" nodeType="mainSeq">
+                <p:childTnLst>
+                  <p:par>
+                    <p:cTn id="3" fill="hold">
+                      <p:stCondLst>
+                        <p:cond delay="indefinite"/>
+                      </p:stCondLst>
+                      <p:childTnLst>
+                        <p:par>
+                          <p:cTn id="4" fill="hold">
+                            <p:stCondLst>
+                              <p:cond delay="0"/>
+                            </p:stCondLst>
+                            <p:childTnLst>
+                              <p:par>
+                                <p:cTn id="5" presetID="42" presetClass="entr" presetSubtype="0" fill="hold" grpId="0" nodeType="clickEffect">
+                                  <p:stCondLst>
+                                    <p:cond delay="0"/>
+                                  </p:stCondLst>
+                                  <p:childTnLst>
+                                    <p:set>
+                                      <p:cBhvr>
+                                        <p:cTn id="6" dur="1" fill="hold">
+                                          <p:stCondLst>
+                                            <p:cond delay="0"/>
+                                          </p:stCondLst>
+                                        </p:cTn>
+                                        <p:tgtEl>
+                                          <p:spTgt spid="11"/>
+                                        </p:tgtEl>
+                                        <p:attrNameLst>
+                                          <p:attrName>style.visibility</p:attrName>
+                                        </p:attrNameLst>
+                                      </p:cBhvr>
+                                      <p:to>
+                                        <p:strVal val="visible"/>
+                                      </p:to>
+                                    </p:set>
+                                    <p:animEffect transition="in" filter="fade">
+                                      <p:cBhvr>
+                                        <p:cTn id="7" dur="1000"/>
+                                        <p:tgtEl>
+                                          <p:spTgt spid="11"/>
+                                        </p:tgtEl>
+                                      </p:cBhvr>
+                                    </p:animEffect>
+                                    <p:anim calcmode="lin" valueType="num">
+                                      <p:cBhvr>
+                                        <p:cTn id="8" dur="1000" fill="hold"/>
+                                        <p:tgtEl>
+                                          <p:spTgt spid="11"/>
+                                        </p:tgtEl>
+                                        <p:attrNameLst>
+                                          <p:attrName>ppt_x</p:attrName>
+                                        </p:attrNameLst>
+                                      </p:cBhvr>
+                                      <p:tavLst>
+                                        <p:tav tm="0">
+                                          <p:val>
+                                            <p:strVal val="#ppt_x"/>
+                                          </p:val>
+                                        </p:tav>
+                                        <p:tav tm="100000">
+                                          <p:val>
+                                            <p:strVal val="#ppt_x"/>
+                                          </p:val>
+                                        </p:tav>
+                                      </p:tavLst>
+                                    </p:anim>
+                                    <p:anim calcmode="lin" valueType="num">
+                                      <p:cBhvr>
+                                        <p:cTn id="9" dur="1000" fill="hold"/>
+                                        <p:tgtEl>
+                                          <p:spTgt spid="11"/>
+                                        </p:tgtEl>
+                                        <p:attrNameLst>
+                                          <p:attrName>ppt_y</p:attrName>
+                                        </p:attrNameLst>
+                                      </p:cBhvr>
+                                      <p:tavLst>
+                                        <p:tav tm="0">
+                                          <p:val>
+                                            <p:strVal val="#ppt_y+.1"/>
+                                          </p:val>
+                                        </p:tav>
+                                        <p:tav tm="100000">
+                                          <p:val>
+                                            <p:strVal val="#ppt_y"/>
+                                          </p:val>
+                                        </p:tav>
+                                      </p:tavLst>
+                                    </p:anim>
+                                  </p:childTnLst>
+                                </p:cTn>
+                              </p:par>
+                            </p:childTnLst>
+                          </p:cTn>
+                        </p:par>
+                      </p:childTnLst>
+                    </p:cTn>
+                  </p:par>
+                  <p:par>
+                    <p:cTn id="10" fill="hold">
+                      <p:stCondLst>
+                        <p:cond delay="indefinite"/>
+                      </p:stCondLst>
+                      <p:childTnLst>
+                        <p:par>
+                          <p:cTn id="11" fill="hold">
+                            <p:stCondLst>
+                              <p:cond delay="0"/>
+                            </p:stCondLst>
+                            <p:childTnLst>
+                              <p:par>
+                                <p:cTn id="12" presetID="42" presetClass="entr" presetSubtype="0" fill="hold" grpId="0" nodeType="clickEffect">
+                                  <p:stCondLst>
+                                    <p:cond delay="0"/>
+                                  </p:stCondLst>
+                                  <p:childTnLst>
+                                    <p:set>
+                                      <p:cBhvr>
+                                        <p:cTn id="13" dur="1" fill="hold">
+                                          <p:stCondLst>
+                                            <p:cond delay="0"/>
+                                          </p:stCondLst>
+                                        </p:cTn>
+                                        <p:tgtEl>
+                                          <p:spTgt spid="10"/>
+                                        </p:tgtEl>
+                                        <p:attrNameLst>
+                                          <p:attrName>style.visibility</p:attrName>
+                                        </p:attrNameLst>
+                                      </p:cBhvr>
+                                      <p:to>
+                                        <p:strVal val="visible"/>
+                                      </p:to>
+                                    </p:set>
+                                    <p:animEffect transition="in" filter="fade">
+                                      <p:cBhvr>
+                                        <p:cTn id="14" dur="1000"/>
+                                        <p:tgtEl>
+                                          <p:spTgt spid="10"/>
+                                        </p:tgtEl>
+                                      </p:cBhvr>
+                                    </p:animEffect>
+                                    <p:anim calcmode="lin" valueType="num">
+                                      <p:cBhvr>
+                                        <p:cTn id="15" dur="1000" fill="hold"/>
+                                        <p:tgtEl>
+                                          <p:spTgt spid="10"/>
+                                        </p:tgtEl>
+                                        <p:attrNameLst>
+                                          <p:attrName>ppt_x</p:attrName>
+                                        </p:attrNameLst>
+                                      </p:cBhvr>
+                                      <p:tavLst>
+                                        <p:tav tm="0">
+                                          <p:val>
+                                            <p:strVal val="#ppt_x"/>
+                                          </p:val>
+                                        </p:tav>
+                                        <p:tav tm="100000">
+                                          <p:val>
+                                            <p:strVal val="#ppt_x"/>
+                                          </p:val>
+                                        </p:tav>
+                                      </p:tavLst>
+                                    </p:anim>
+                                    <p:anim calcmode="lin" valueType="num">
+                                      <p:cBhvr>
+                                        <p:cTn id="16" dur="1000" fill="hold"/>
+                                        <p:tgtEl>
+                                          <p:spTgt spid="10"/>
+                                        </p:tgtEl>
+                                        <p:attrNameLst>
+                                          <p:attrName>ppt_y</p:attrName>
+                                        </p:attrNameLst>
+                                      </p:cBhvr>
+                                      <p:tavLst>
+                                        <p:tav tm="0">
+                                          <p:val>
+                                            <p:strVal val="#ppt_y+.1"/>
+                                          </p:val>
+                                        </p:tav>
+                                        <p:tav tm="100000">
+                                          <p:val>
+                                            <p:strVal val="#ppt_y"/>
+                                          </p:val>
+                                        </p:tav>
+                                      </p:tavLst>
+                                    </p:anim>
+                                  </p:childTnLst>
+                                </p:cTn>
+                              </p:par>
+                            </p:childTnLst>
+                          </p:cTn>
+                        </p:par>
+                      </p:childTnLst>
+                    </p:cTn>
+                  </p:par>
+                  <p:par>
+                    <p:cTn id="17" fill="hold">
+                      <p:stCondLst>
+                        <p:cond delay="indefinite"/>
+                      </p:stCondLst>
+                      <p:childTnLst>
+                        <p:par>
+                          <p:cTn id="18" fill="hold">
+                            <p:stCondLst>
+                              <p:cond delay="0"/>
+                            </p:stCondLst>
+                            <p:childTnLst>
+                              <p:par>
+                                <p:cTn id="19" presetID="42" presetClass="entr" presetSubtype="0" fill="hold" grpId="0" nodeType="clickEffect">
+                                  <p:stCondLst>
+                                    <p:cond delay="0"/>
+                                  </p:stCondLst>
+                                  <p:childTnLst>
+                                    <p:set>
+                                      <p:cBhvr>
+                                        <p:cTn id="20" dur="1" fill="hold">
+                                          <p:stCondLst>
+                                            <p:cond delay="0"/>
+                                          </p:stCondLst>
+                                        </p:cTn>
+                                        <p:tgtEl>
+                                          <p:spTgt spid="16"/>
+                                        </p:tgtEl>
+                                        <p:attrNameLst>
+                                          <p:attrName>style.visibility</p:attrName>
+                                        </p:attrNameLst>
+                                      </p:cBhvr>
+                                      <p:to>
+                                        <p:strVal val="visible"/>
+                                      </p:to>
+                                    </p:set>
+                                    <p:animEffect transition="in" filter="fade">
+                                      <p:cBhvr>
+                                        <p:cTn id="21" dur="1000"/>
+                                        <p:tgtEl>
+                                          <p:spTgt spid="16"/>
+                                        </p:tgtEl>
+                                      </p:cBhvr>
+                                    </p:animEffect>
+                                    <p:anim calcmode="lin" valueType="num">
+                                      <p:cBhvr>
+                                        <p:cTn id="22" dur="1000" fill="hold"/>
+                                        <p:tgtEl>
+                                          <p:spTgt spid="16"/>
+                                        </p:tgtEl>
+                                        <p:attrNameLst>
+                                          <p:attrName>ppt_x</p:attrName>
+                                        </p:attrNameLst>
+                                      </p:cBhvr>
+                                      <p:tavLst>
+                                        <p:tav tm="0">
+                                          <p:val>
+                                            <p:strVal val="#ppt_x"/>
+                                          </p:val>
+                                        </p:tav>
+                                        <p:tav tm="100000">
+                                          <p:val>
+                                            <p:strVal val="#ppt_x"/>
+                                          </p:val>
+                                        </p:tav>
+                                      </p:tavLst>
+                                    </p:anim>
+                                    <p:anim calcmode="lin" valueType="num">
+                                      <p:cBhvr>
+                                        <p:cTn id="23" dur="1000" fill="hold"/>
+                                        <p:tgtEl>
+                                          <p:spTgt spid="16"/>
+                                        </p:tgtEl>
+                                        <p:attrNameLst>
+                                          <p:attrName>ppt_y</p:attrName>
+                                        </p:attrNameLst>
+                                      </p:cBhvr>
+                                      <p:tavLst>
+                                        <p:tav tm="0">
+                                          <p:val>
+                                            <p:strVal val="#ppt_y+.1"/>
+                                          </p:val>
+                                        </p:tav>
+                                        <p:tav tm="100000">
+                                          <p:val>
+                                            <p:strVal val="#ppt_y"/>
+                                          </p:val>
+                                        </p:tav>
+                                      </p:tavLst>
+                                    </p:anim>
+                                  </p:childTnLst>
+                                </p:cTn>
+                              </p:par>
+                            </p:childTnLst>
+                          </p:cTn>
+                        </p:par>
+                      </p:childTnLst>
+                    </p:cTn>
+                  </p:par>
+                  <p:par>
+                    <p:cTn id="24" fill="hold">
+                      <p:stCondLst>
+                        <p:cond delay="indefinite"/>
+                      </p:stCondLst>
+                      <p:childTnLst>
+                        <p:par>
+                          <p:cTn id="25" fill="hold">
+                            <p:stCondLst>
+                              <p:cond delay="0"/>
+                            </p:stCondLst>
+                            <p:childTnLst>
+                              <p:par>
+                                <p:cTn id="26" presetID="42" presetClass="entr" presetSubtype="0" fill="hold" grpId="0" nodeType="clickEffect">
+                                  <p:stCondLst>
+                                    <p:cond delay="0"/>
+                                  </p:stCondLst>
+                                  <p:childTnLst>
+                                    <p:set>
+                                      <p:cBhvr>
+                                        <p:cTn id="27" dur="1" fill="hold">
+                                          <p:stCondLst>
+                                            <p:cond delay="0"/>
+                                          </p:stCondLst>
+                                        </p:cTn>
+                                        <p:tgtEl>
+                                          <p:spTgt spid="14"/>
+                                        </p:tgtEl>
+                                        <p:attrNameLst>
+                                          <p:attrName>style.visibility</p:attrName>
+                                        </p:attrNameLst>
+                                      </p:cBhvr>
+                                      <p:to>
+                                        <p:strVal val="visible"/>
+                                      </p:to>
+                                    </p:set>
+                                    <p:animEffect transition="in" filter="fade">
+                                      <p:cBhvr>
+                                        <p:cTn id="28" dur="1000"/>
+                                        <p:tgtEl>
+                                          <p:spTgt spid="14"/>
+                                        </p:tgtEl>
+                                      </p:cBhvr>
+                                    </p:animEffect>
+                                    <p:anim calcmode="lin" valueType="num">
+                                      <p:cBhvr>
+                                        <p:cTn id="29" dur="1000" fill="hold"/>
+                                        <p:tgtEl>
+                                          <p:spTgt spid="14"/>
+                                        </p:tgtEl>
+                                        <p:attrNameLst>
+                                          <p:attrName>ppt_x</p:attrName>
+                                        </p:attrNameLst>
+                                      </p:cBhvr>
+                                      <p:tavLst>
+                                        <p:tav tm="0">
+                                          <p:val>
+                                            <p:strVal val="#ppt_x"/>
+                                          </p:val>
+                                        </p:tav>
+                                        <p:tav tm="100000">
+                                          <p:val>
+                                            <p:strVal val="#ppt_x"/>
+                                          </p:val>
+                                        </p:tav>
+                                      </p:tavLst>
+                                    </p:anim>
+                                    <p:anim calcmode="lin" valueType="num">
+                                      <p:cBhvr>
+                                        <p:cTn id="30" dur="1000" fill="hold"/>
+                                        <p:tgtEl>
+                                          <p:spTgt spid="14"/>
+                                        </p:tgtEl>
+                                        <p:attrNameLst>
+                                          <p:attrName>ppt_y</p:attrName>
+                                        </p:attrNameLst>
+                                      </p:cBhvr>
+                                      <p:tavLst>
+                                        <p:tav tm="0">
+                                          <p:val>
+                                            <p:strVal val="#ppt_y+.1"/>
+                                          </p:val>
+                                        </p:tav>
+                                        <p:tav tm="100000">
+                                          <p:val>
+                                            <p:strVal val="#ppt_y"/>
+                                          </p:val>
+                                        </p:tav>
+                                      </p:tavLst>
+                                    </p:anim>
+                                  </p:childTnLst>
+                                </p:cTn>
+                              </p:par>
+                            </p:childTnLst>
+                          </p:cTn>
+                        </p:par>
+                      </p:childTnLst>
+                    </p:cTn>
+                  </p:par>
+                  <p:par>
+                    <p:cTn id="31" fill="hold">
+                      <p:stCondLst>
+                        <p:cond delay="indefinite"/>
+                      </p:stCondLst>
+                      <p:childTnLst>
+                        <p:par>
+                          <p:cTn id="32" fill="hold">
+                            <p:stCondLst>
+                              <p:cond delay="0"/>
+                            </p:stCondLst>
+                            <p:childTnLst>
+                              <p:par>
+                                <p:cTn id="33" presetID="42" presetClass="entr" presetSubtype="0" fill="hold" grpId="0" nodeType="clickEffect">
+                                  <p:stCondLst>
+                                    <p:cond delay="0"/>
+                                  </p:stCondLst>
+                                  <p:childTnLst>
+                                    <p:set>
+                                      <p:cBhvr>
+                                        <p:cTn id="34" dur="1" fill="hold">
+                                          <p:stCondLst>
+                                            <p:cond delay="0"/>
+                                          </p:stCondLst>
+                                        </p:cTn>
+                                        <p:tgtEl>
+                                          <p:spTgt spid="15"/>
+                                        </p:tgtEl>
+                                        <p:attrNameLst>
+                                          <p:attrName>style.visibility</p:attrName>
+                                        </p:attrNameLst>
+                                      </p:cBhvr>
+                                      <p:to>
+                                        <p:strVal val="visible"/>
+                                      </p:to>
+                                    </p:set>
+                                    <p:animEffect transition="in" filter="fade">
+                                      <p:cBhvr>
+                                        <p:cTn id="35" dur="1000"/>
+                                        <p:tgtEl>
+                                          <p:spTgt spid="15"/>
+                                        </p:tgtEl>
+                                      </p:cBhvr>
+                                    </p:animEffect>
+                                    <p:anim calcmode="lin" valueType="num">
+                                      <p:cBhvr>
+                                        <p:cTn id="36" dur="1000" fill="hold"/>
+                                        <p:tgtEl>
+                                          <p:spTgt spid="15"/>
+                                        </p:tgtEl>
+                                        <p:attrNameLst>
+                                          <p:attrName>ppt_x</p:attrName>
+                                        </p:attrNameLst>
+                                      </p:cBhvr>
+                                      <p:tavLst>
+                                        <p:tav tm="0">
+                                          <p:val>
+                                            <p:strVal val="#ppt_x"/>
+                                          </p:val>
+                                        </p:tav>
+                                        <p:tav tm="100000">
+                                          <p:val>
+                                            <p:strVal val="#ppt_x"/>
+                                          </p:val>
+                                        </p:tav>
+                                      </p:tavLst>
+                                    </p:anim>
+                                    <p:anim calcmode="lin" valueType="num">
+                                      <p:cBhvr>
+                                        <p:cTn id="37" dur="1000" fill="hold"/>
+                                        <p:tgtEl>
+                                          <p:spTgt spid="15"/>
+                                        </p:tgtEl>
+                                        <p:attrNameLst>
+                                          <p:attrName>ppt_y</p:attrName>
+                                        </p:attrNameLst>
+                                      </p:cBhvr>
+                                      <p:tavLst>
+                                        <p:tav tm="0">
+                                          <p:val>
+                                            <p:strVal val="#ppt_y+.1"/>
+                                          </p:val>
+                                        </p:tav>
+                                        <p:tav tm="100000">
+                                          <p:val>
+                                            <p:strVal val="#ppt_y"/>
+                                          </p:val>
+                                        </p:tav>
+                                      </p:tavLst>
+                                    </p:anim>
+                                  </p:childTnLst>
+                                </p:cTn>
+                              </p:par>
+                            </p:childTnLst>
+                          </p:cTn>
+                        </p:par>
+                      </p:childTnLst>
+                    </p:cTn>
+                  </p:par>
+                  <p:par>
+                    <p:cTn id="38" fill="hold">
+                      <p:stCondLst>
+                        <p:cond delay="indefinite"/>
+                      </p:stCondLst>
+                      <p:childTnLst>
+                        <p:par>
+                          <p:cTn id="39" fill="hold">
+                            <p:stCondLst>
+                              <p:cond delay="0"/>
+                            </p:stCondLst>
+                            <p:childTnLst>
+                              <p:par>
+                                <p:cTn id="40" presetID="42" presetClass="entr" presetSubtype="0" fill="hold" grpId="0" nodeType="clickEffect">
+                                  <p:stCondLst>
+                                    <p:cond delay="0"/>
+                                  </p:stCondLst>
+                                  <p:childTnLst>
+                                    <p:set>
+                                      <p:cBhvr>
+                                        <p:cTn id="41" dur="1" fill="hold">
+                                          <p:stCondLst>
+                                            <p:cond delay="0"/>
+                                          </p:stCondLst>
+                                        </p:cTn>
+                                        <p:tgtEl>
+                                          <p:spTgt spid="6"/>
+                                        </p:tgtEl>
+                                        <p:attrNameLst>
+                                          <p:attrName>style.visibility</p:attrName>
+                                        </p:attrNameLst>
+                                      </p:cBhvr>
+                                      <p:to>
+                                        <p:strVal val="visible"/>
+                                      </p:to>
+                                    </p:set>
+                                    <p:animEffect transition="in" filter="fade">
+                                      <p:cBhvr>
+                                        <p:cTn id="42" dur="1000"/>
+                                        <p:tgtEl>
+                                          <p:spTgt spid="6"/>
+                                        </p:tgtEl>
+                                      </p:cBhvr>
+                                    </p:animEffect>
+                                    <p:anim calcmode="lin" valueType="num">
+                                      <p:cBhvr>
+                                        <p:cTn id="43" dur="1000" fill="hold"/>
+                                        <p:tgtEl>
+                                          <p:spTgt spid="6"/>
+                                        </p:tgtEl>
+                                        <p:attrNameLst>
+                                          <p:attrName>ppt_x</p:attrName>
+                                        </p:attrNameLst>
+                                      </p:cBhvr>
+                                      <p:tavLst>
+                                        <p:tav tm="0">
+                                          <p:val>
+                                            <p:strVal val="#ppt_x"/>
+                                          </p:val>
+                                        </p:tav>
+                                        <p:tav tm="100000">
+                                          <p:val>
+                                            <p:strVal val="#ppt_x"/>
+                                          </p:val>
+                                        </p:tav>
+                                      </p:tavLst>
+                                    </p:anim>
+                                    <p:anim calcmode="lin" valueType="num">
+                                      <p:cBhvr>
+                                        <p:cTn id="44" dur="1000" fill="hold"/>
+                                        <p:tgtEl>
+                                          <p:spTgt spid="6"/>
+                                        </p:tgtEl>
+                                        <p:attrNameLst>
+                                          <p:attrName>ppt_y</p:attrName>
+                                        </p:attrNameLst>
+                                      </p:cBhvr>
+                                      <p:tavLst>
+                                        <p:tav tm="0">
+                                          <p:val>
+                                            <p:strVal val="#ppt_y+.1"/>
+                                          </p:val>
+                                        </p:tav>
+                                        <p:tav tm="100000">
+                                          <p:val>
+                                            <p:strVal val="#ppt_y"/>
+                                          </p:val>
+                                        </p:tav>
+                                      </p:tavLst>
+                                    </p:anim>
+                                  </p:childTnLst>
+                                </p:cTn>
+                              </p:par>
+                            </p:childTnLst>
+                          </p:cTn>
+                        </p:par>
+                      </p:childTnLst>
+                    </p:cTn>
+                  </p:par>
+                </p:childTnLst>
+              </p:cTn>
+              <p:prevCondLst>
+                <p:cond evt="onPrev" delay="0">
+                  <p:tgtEl>
+                    <p:sldTgt/>
+                  </p:tgtEl>
+                </p:cond>
+              </p:prevCondLst>
+              <p:nextCondLst>
+                <p:cond evt="onNext" delay="0">
+                  <p:tgtEl>
+                    <p:sldTgt/>
+                  </p:tgtEl>
+                </p:cond>
+              </p:nextCondLst>
+            </p:seq>
+          </p:childTnLst>
+        </p:cTn>
+      </p:par>
+    </p:tnLst>
+    <p:bldLst>
+      <p:bldP spid="6" grpId="0" animBg="1"/>
+      <p:bldP spid="10" grpId="0" animBg="1"/>
+      <p:bldP spid="11" grpId="0" animBg="1"/>
+      <p:bldP spid="14" grpId="0" animBg="1"/>
+      <p:bldP spid="15" grpId="0" animBg="1"/>
+      <p:bldP spid="16" grpId="0" animBg="1"/>
+    </p:bldLst>
+  </p:timing>
+</p:sld>
+</file>
+
+<file path=ppt/slides/slide6.xml><?xml version="1.0" encoding="utf-8"?>
+<p:sld xmlns:a="http://schemas.openxmlformats.org/drawingml/2006/main" xmlns:r="http://schemas.openxmlformats.org/officeDocument/2006/relationships" xmlns:p="http://schemas.openxmlformats.org/presentationml/2006/main">
+  <p:cSld>
+    <p:spTree>
+      <p:nvGrpSpPr>
+        <p:cNvPr id="1" name=""/>
+        <p:cNvGrpSpPr/>
+        <p:nvPr/>
+      </p:nvGrpSpPr>
+      <p:grpSpPr>
+        <a:xfrm>
+          <a:off x="0" y="0"/>
+          <a:ext cx="0" cy="0"/>
+          <a:chOff x="0" y="0"/>
+          <a:chExt cx="0" cy="0"/>
+        </a:xfrm>
+      </p:grpSpPr>
+      <p:sp>
+        <p:nvSpPr>
+          <p:cNvPr id="2" name="כותרת 1">
+            <a:extLst>
+              <a:ext uri="{FF2B5EF4-FFF2-40B4-BE49-F238E27FC236}">
+                <a16:creationId xmlns:a16="http://schemas.microsoft.com/office/drawing/2014/main" id="{F7C81155-994E-4F42-9AB3-BE1DEF3AD7A2}"/>
+              </a:ext>
+            </a:extLst>
+          </p:cNvPr>
+          <p:cNvSpPr>
+            <a:spLocks noGrp="1"/>
+          </p:cNvSpPr>
+          <p:nvPr>
+            <p:ph type="title"/>
+          </p:nvPr>
+        </p:nvSpPr>
+        <p:spPr/>
+        <p:txBody>
+          <a:bodyPr/>
+          <a:lstStyle/>
+          <a:p>
+            <a:r>
+              <a:rPr lang="en-US" dirty="0"/>
+              <a:t>CSS – Grid (just starting)</a:t>
+            </a:r>
+            <a:endParaRPr lang="he-IL" dirty="0"/>
+          </a:p>
+        </p:txBody>
+      </p:sp>
+      <p:sp>
+        <p:nvSpPr>
+          <p:cNvPr id="3" name="מציין מיקום תוכן 2">
+            <a:extLst>
+              <a:ext uri="{FF2B5EF4-FFF2-40B4-BE49-F238E27FC236}">
+                <a16:creationId xmlns:a16="http://schemas.microsoft.com/office/drawing/2014/main" id="{6ABCDBD4-415C-4CDC-97AF-BD0A3480CB84}"/>
+              </a:ext>
+            </a:extLst>
+          </p:cNvPr>
+          <p:cNvSpPr>
+            <a:spLocks noGrp="1"/>
+          </p:cNvSpPr>
+          <p:nvPr>
+            <p:ph idx="1"/>
+          </p:nvPr>
+        </p:nvSpPr>
+        <p:spPr>
+          <a:xfrm>
+            <a:off x="1064967" y="1331259"/>
+            <a:ext cx="8946541" cy="1354679"/>
+          </a:xfrm>
+        </p:spPr>
+        <p:txBody>
+          <a:bodyPr/>
+          <a:lstStyle/>
+          <a:p>
+            <a:pPr algn="l" rtl="0"/>
+            <a:r>
+              <a:rPr lang="en-US" dirty="0">
+                <a:hlinkClick r:id="rId2"/>
+              </a:rPr>
+              <a:t>https://css-tricks.com/snippets/css/complete-guide-grid/</a:t>
+            </a:r>
+            <a:endParaRPr lang="he-IL" dirty="0"/>
+          </a:p>
+        </p:txBody>
+      </p:sp>
+      <p:pic>
+        <p:nvPicPr>
+          <p:cNvPr id="9" name="תמונה 8">
+            <a:extLst>
+              <a:ext uri="{FF2B5EF4-FFF2-40B4-BE49-F238E27FC236}">
+                <a16:creationId xmlns:a16="http://schemas.microsoft.com/office/drawing/2014/main" id="{DC0A95DE-8AC3-4184-B58A-E5ED4E222D90}"/>
+              </a:ext>
+            </a:extLst>
+          </p:cNvPr>
+          <p:cNvPicPr>
+            <a:picLocks noChangeAspect="1"/>
+          </p:cNvPicPr>
+          <p:nvPr/>
+        </p:nvPicPr>
+        <p:blipFill>
+          <a:blip r:embed="rId3"/>
+          <a:stretch>
+            <a:fillRect/>
+          </a:stretch>
+        </p:blipFill>
+        <p:spPr>
+          <a:xfrm>
+            <a:off x="341067" y="2034831"/>
+            <a:ext cx="2526308" cy="1529081"/>
+          </a:xfrm>
+          <a:prstGeom prst="rect">
+            <a:avLst/>
+          </a:prstGeom>
+        </p:spPr>
+      </p:pic>
+      <p:pic>
+        <p:nvPicPr>
+          <p:cNvPr id="10" name="תמונה 9">
+            <a:extLst>
+              <a:ext uri="{FF2B5EF4-FFF2-40B4-BE49-F238E27FC236}">
+                <a16:creationId xmlns:a16="http://schemas.microsoft.com/office/drawing/2014/main" id="{14F006F5-3390-47F5-9F69-3C52F096E443}"/>
+              </a:ext>
+            </a:extLst>
+          </p:cNvPr>
+          <p:cNvPicPr>
+            <a:picLocks noChangeAspect="1"/>
+          </p:cNvPicPr>
+          <p:nvPr/>
+        </p:nvPicPr>
+        <p:blipFill>
+          <a:blip r:embed="rId4"/>
+          <a:stretch>
+            <a:fillRect/>
+          </a:stretch>
+        </p:blipFill>
+        <p:spPr>
+          <a:xfrm>
+            <a:off x="397450" y="3743275"/>
+            <a:ext cx="6554619" cy="2267781"/>
+          </a:xfrm>
+          <a:prstGeom prst="rect">
+            <a:avLst/>
+          </a:prstGeom>
+        </p:spPr>
+      </p:pic>
+      <p:pic>
+        <p:nvPicPr>
+          <p:cNvPr id="11" name="תמונה 10">
+            <a:extLst>
+              <a:ext uri="{FF2B5EF4-FFF2-40B4-BE49-F238E27FC236}">
+                <a16:creationId xmlns:a16="http://schemas.microsoft.com/office/drawing/2014/main" id="{034AB0AE-300A-49DF-A9CE-E3C6A0120729}"/>
+              </a:ext>
+            </a:extLst>
+          </p:cNvPr>
+          <p:cNvPicPr>
+            <a:picLocks noChangeAspect="1"/>
+          </p:cNvPicPr>
+          <p:nvPr/>
+        </p:nvPicPr>
+        <p:blipFill>
+          <a:blip r:embed="rId5"/>
+          <a:stretch>
+            <a:fillRect/>
+          </a:stretch>
+        </p:blipFill>
+        <p:spPr>
+          <a:xfrm>
+            <a:off x="7139912" y="2170834"/>
+            <a:ext cx="4965074" cy="4002458"/>
+          </a:xfrm>
+          <a:prstGeom prst="rect">
+            <a:avLst/>
+          </a:prstGeom>
+        </p:spPr>
+      </p:pic>
+    </p:spTree>
+    <p:extLst>
+      <p:ext uri="{BB962C8B-B14F-4D97-AF65-F5344CB8AC3E}">
+        <p14:creationId xmlns:p14="http://schemas.microsoft.com/office/powerpoint/2010/main" val="2852927599"/>
+      </p:ext>
+    </p:extLst>
+  </p:cSld>
+  <p:clrMapOvr>
+    <a:masterClrMapping/>
+  </p:clrMapOvr>
+</p:sld>
+</file>
+
+<file path=ppt/slides/slide7.xml><?xml version="1.0" encoding="utf-8"?>
 <p:sld xmlns:a="http://schemas.openxmlformats.org/drawingml/2006/main" xmlns:r="http://schemas.openxmlformats.org/officeDocument/2006/relationships" xmlns:p="http://schemas.openxmlformats.org/presentationml/2006/main">
   <p:cSld>
     <p:spTree>
@@ -8200,7 +9495,248 @@
     </p:spTree>
     <p:extLst>
       <p:ext uri="{BB962C8B-B14F-4D97-AF65-F5344CB8AC3E}">
-        <p14:creationId xmlns:p14="http://schemas.microsoft.com/office/powerpoint/2010/main" val="2852927599"/>
+        <p14:creationId xmlns:p14="http://schemas.microsoft.com/office/powerpoint/2010/main" val="1636743418"/>
+      </p:ext>
+    </p:extLst>
+  </p:cSld>
+  <p:clrMapOvr>
+    <a:masterClrMapping/>
+  </p:clrMapOvr>
+</p:sld>
+</file>
+
+<file path=ppt/slides/slide8.xml><?xml version="1.0" encoding="utf-8"?>
+<p:sld xmlns:a="http://schemas.openxmlformats.org/drawingml/2006/main" xmlns:r="http://schemas.openxmlformats.org/officeDocument/2006/relationships" xmlns:p="http://schemas.openxmlformats.org/presentationml/2006/main">
+  <p:cSld>
+    <p:spTree>
+      <p:nvGrpSpPr>
+        <p:cNvPr id="1" name=""/>
+        <p:cNvGrpSpPr/>
+        <p:nvPr/>
+      </p:nvGrpSpPr>
+      <p:grpSpPr>
+        <a:xfrm>
+          <a:off x="0" y="0"/>
+          <a:ext cx="0" cy="0"/>
+          <a:chOff x="0" y="0"/>
+          <a:chExt cx="0" cy="0"/>
+        </a:xfrm>
+      </p:grpSpPr>
+      <p:sp>
+        <p:nvSpPr>
+          <p:cNvPr id="2" name="כותרת 1">
+            <a:extLst>
+              <a:ext uri="{FF2B5EF4-FFF2-40B4-BE49-F238E27FC236}">
+                <a16:creationId xmlns:a16="http://schemas.microsoft.com/office/drawing/2014/main" id="{C26C86FC-F1CD-49E1-831A-6C50BD2138A9}"/>
+              </a:ext>
+            </a:extLst>
+          </p:cNvPr>
+          <p:cNvSpPr>
+            <a:spLocks noGrp="1"/>
+          </p:cNvSpPr>
+          <p:nvPr>
+            <p:ph type="title"/>
+          </p:nvPr>
+        </p:nvSpPr>
+        <p:spPr/>
+        <p:txBody>
+          <a:bodyPr/>
+          <a:lstStyle/>
+          <a:p>
+            <a:r>
+              <a:rPr lang="en-US" dirty="0"/>
+              <a:t>CSS - positions</a:t>
+            </a:r>
+            <a:endParaRPr lang="he-IL" dirty="0"/>
+          </a:p>
+        </p:txBody>
+      </p:sp>
+      <p:pic>
+        <p:nvPicPr>
+          <p:cNvPr id="4" name="תמונה 3">
+            <a:extLst>
+              <a:ext uri="{FF2B5EF4-FFF2-40B4-BE49-F238E27FC236}">
+                <a16:creationId xmlns:a16="http://schemas.microsoft.com/office/drawing/2014/main" id="{AA2F88C7-AC5F-4049-B9F3-94AF06CFE44C}"/>
+              </a:ext>
+            </a:extLst>
+          </p:cNvPr>
+          <p:cNvPicPr>
+            <a:picLocks noChangeAspect="1"/>
+          </p:cNvPicPr>
+          <p:nvPr/>
+        </p:nvPicPr>
+        <p:blipFill>
+          <a:blip r:embed="rId2"/>
+          <a:stretch>
+            <a:fillRect/>
+          </a:stretch>
+        </p:blipFill>
+        <p:spPr>
+          <a:xfrm>
+            <a:off x="276248" y="1570746"/>
+            <a:ext cx="11269641" cy="4211076"/>
+          </a:xfrm>
+          <a:prstGeom prst="rect">
+            <a:avLst/>
+          </a:prstGeom>
+        </p:spPr>
+      </p:pic>
+      <p:sp>
+        <p:nvSpPr>
+          <p:cNvPr id="5" name="TextBox 4">
+            <a:extLst>
+              <a:ext uri="{FF2B5EF4-FFF2-40B4-BE49-F238E27FC236}">
+                <a16:creationId xmlns:a16="http://schemas.microsoft.com/office/drawing/2014/main" id="{5FF89170-6A84-4948-8E7C-453C636CEAB5}"/>
+              </a:ext>
+            </a:extLst>
+          </p:cNvPr>
+          <p:cNvSpPr txBox="1"/>
+          <p:nvPr/>
+        </p:nvSpPr>
+        <p:spPr>
+          <a:xfrm>
+            <a:off x="1012874" y="6091311"/>
+            <a:ext cx="6372664" cy="369332"/>
+          </a:xfrm>
+          <a:prstGeom prst="rect">
+            <a:avLst/>
+          </a:prstGeom>
+          <a:noFill/>
+        </p:spPr>
+        <p:txBody>
+          <a:bodyPr wrap="square" rtlCol="1">
+            <a:spAutoFit/>
+          </a:bodyPr>
+          <a:lstStyle/>
+          <a:p>
+            <a:r>
+              <a:rPr lang="en-US" dirty="0"/>
+              <a:t>\02 - CSS3\index.html</a:t>
+            </a:r>
+            <a:endParaRPr lang="he-IL" dirty="0"/>
+          </a:p>
+        </p:txBody>
+      </p:sp>
+    </p:spTree>
+    <p:extLst>
+      <p:ext uri="{BB962C8B-B14F-4D97-AF65-F5344CB8AC3E}">
+        <p14:creationId xmlns:p14="http://schemas.microsoft.com/office/powerpoint/2010/main" val="2704459783"/>
+      </p:ext>
+    </p:extLst>
+  </p:cSld>
+  <p:clrMapOvr>
+    <a:masterClrMapping/>
+  </p:clrMapOvr>
+</p:sld>
+</file>
+
+<file path=ppt/slides/slide9.xml><?xml version="1.0" encoding="utf-8"?>
+<p:sld xmlns:a="http://schemas.openxmlformats.org/drawingml/2006/main" xmlns:r="http://schemas.openxmlformats.org/officeDocument/2006/relationships" xmlns:p="http://schemas.openxmlformats.org/presentationml/2006/main">
+  <p:cSld>
+    <p:spTree>
+      <p:nvGrpSpPr>
+        <p:cNvPr id="1" name=""/>
+        <p:cNvGrpSpPr/>
+        <p:nvPr/>
+      </p:nvGrpSpPr>
+      <p:grpSpPr>
+        <a:xfrm>
+          <a:off x="0" y="0"/>
+          <a:ext cx="0" cy="0"/>
+          <a:chOff x="0" y="0"/>
+          <a:chExt cx="0" cy="0"/>
+        </a:xfrm>
+      </p:grpSpPr>
+      <p:sp>
+        <p:nvSpPr>
+          <p:cNvPr id="2" name="כותרת 1">
+            <a:extLst>
+              <a:ext uri="{FF2B5EF4-FFF2-40B4-BE49-F238E27FC236}">
+                <a16:creationId xmlns:a16="http://schemas.microsoft.com/office/drawing/2014/main" id="{C26C86FC-F1CD-49E1-831A-6C50BD2138A9}"/>
+              </a:ext>
+            </a:extLst>
+          </p:cNvPr>
+          <p:cNvSpPr>
+            <a:spLocks noGrp="1"/>
+          </p:cNvSpPr>
+          <p:nvPr>
+            <p:ph type="title"/>
+          </p:nvPr>
+        </p:nvSpPr>
+        <p:spPr/>
+        <p:txBody>
+          <a:bodyPr/>
+          <a:lstStyle/>
+          <a:p>
+            <a:r>
+              <a:rPr lang="en-US" dirty="0"/>
+              <a:t>CSS - positions</a:t>
+            </a:r>
+            <a:endParaRPr lang="he-IL" dirty="0"/>
+          </a:p>
+        </p:txBody>
+      </p:sp>
+      <p:sp>
+        <p:nvSpPr>
+          <p:cNvPr id="3" name="מציין מיקום תוכן 2">
+            <a:extLst>
+              <a:ext uri="{FF2B5EF4-FFF2-40B4-BE49-F238E27FC236}">
+                <a16:creationId xmlns:a16="http://schemas.microsoft.com/office/drawing/2014/main" id="{BC435BA6-1C82-4B21-B6CF-895F53BE234C}"/>
+              </a:ext>
+            </a:extLst>
+          </p:cNvPr>
+          <p:cNvSpPr>
+            <a:spLocks noGrp="1"/>
+          </p:cNvSpPr>
+          <p:nvPr>
+            <p:ph idx="1"/>
+          </p:nvPr>
+        </p:nvSpPr>
+        <p:spPr/>
+        <p:txBody>
+          <a:bodyPr/>
+          <a:lstStyle/>
+          <a:p>
+            <a:pPr algn="l" rtl="0"/>
+            <a:r>
+              <a:rPr lang="en-US" dirty="0"/>
+              <a:t>Static – default</a:t>
+            </a:r>
+          </a:p>
+          <a:p>
+            <a:pPr algn="l" rtl="0"/>
+            <a:r>
+              <a:rPr lang="en-US" dirty="0"/>
+              <a:t>Fixed – fixed on window</a:t>
+            </a:r>
+          </a:p>
+          <a:p>
+            <a:pPr algn="l" rtl="0"/>
+            <a:r>
+              <a:rPr lang="en-US" dirty="0"/>
+              <a:t>Relative – relative to the position of the parent div (div is still taking its place)</a:t>
+            </a:r>
+          </a:p>
+          <a:p>
+            <a:pPr algn="l" rtl="0"/>
+            <a:r>
+              <a:rPr lang="en-US" dirty="0"/>
+              <a:t>Absolute - the element is positioned relative to its first absolute parent, and don’t take space</a:t>
+            </a:r>
+          </a:p>
+          <a:p>
+            <a:pPr algn="l" rtl="0"/>
+            <a:r>
+              <a:rPr lang="en-US" dirty="0"/>
+              <a:t>Sticky – cool new feature (https://www.w3schools.com/cssref/tryit.asp?filename=trycss_position_sticky)</a:t>
+            </a:r>
+          </a:p>
+        </p:txBody>
+      </p:sp>
+    </p:spTree>
+    <p:extLst>
+      <p:ext uri="{BB962C8B-B14F-4D97-AF65-F5344CB8AC3E}">
+        <p14:creationId xmlns:p14="http://schemas.microsoft.com/office/powerpoint/2010/main" val="4158079558"/>
       </p:ext>
     </p:extLst>
   </p:cSld>
